--- a/110717-cx.pptx
+++ b/110717-cx.pptx
@@ -34,16 +34,18 @@
     <p:sldId id="279" r:id="rId28"/>
     <p:sldId id="280" r:id="rId29"/>
     <p:sldId id="281" r:id="rId30"/>
+    <p:sldId id="282" r:id="rId31"/>
+    <p:sldId id="283" r:id="rId32"/>
   </p:sldIdLst>
   <p:sldSz cy="5143500" cx="9144000"/>
   <p:notesSz cx="6858000" cy="9144000"/>
   <p:embeddedFontLst>
     <p:embeddedFont>
       <p:font typeface="Nunito"/>
-      <p:regular r:id="rId31"/>
-      <p:bold r:id="rId32"/>
-      <p:italic r:id="rId33"/>
-      <p:boldItalic r:id="rId34"/>
+      <p:regular r:id="rId33"/>
+      <p:bold r:id="rId34"/>
+      <p:italic r:id="rId35"/>
+      <p:boldItalic r:id="rId36"/>
     </p:embeddedFont>
   </p:embeddedFontLst>
   <p:defaultTextStyle>
@@ -682,7 +684,7 @@
           </a:bodyPr>
           <a:lstStyle/>
           <a:p>
-            <a:pPr lvl="0">
+            <a:pPr lvl="0" rtl="0">
               <a:spcBef>
                 <a:spcPts val="0"/>
               </a:spcBef>
@@ -872,7 +874,7 @@
           </a:bodyPr>
           <a:lstStyle/>
           <a:p>
-            <a:pPr lvl="0" rtl="0">
+            <a:pPr lvl="0">
               <a:spcBef>
                 <a:spcPts val="0"/>
               </a:spcBef>
@@ -1157,7 +1159,7 @@
           </a:bodyPr>
           <a:lstStyle/>
           <a:p>
-            <a:pPr lvl="0">
+            <a:pPr lvl="0" rtl="0">
               <a:spcBef>
                 <a:spcPts val="0"/>
               </a:spcBef>
@@ -1183,7 +1185,7 @@
   <p:cSld>
     <p:spTree>
       <p:nvGrpSpPr>
-        <p:cNvPr id="221" name="Shape 221"/>
+        <p:cNvPr id="220" name="Shape 220"/>
         <p:cNvGrpSpPr/>
         <p:nvPr/>
       </p:nvGrpSpPr>
@@ -1197,7 +1199,7 @@
       </p:grpSpPr>
       <p:sp>
         <p:nvSpPr>
-          <p:cNvPr id="222" name="Shape 222"/>
+          <p:cNvPr id="221" name="Shape 221"/>
           <p:cNvSpPr/>
           <p:nvPr>
             <p:ph idx="2" type="sldImg"/>
@@ -1231,7 +1233,7 @@
       </p:sp>
       <p:sp>
         <p:nvSpPr>
-          <p:cNvPr id="223" name="Shape 223"/>
+          <p:cNvPr id="222" name="Shape 222"/>
           <p:cNvSpPr txBox="1"/>
           <p:nvPr>
             <p:ph idx="1" type="body"/>
@@ -1252,7 +1254,7 @@
           </a:bodyPr>
           <a:lstStyle/>
           <a:p>
-            <a:pPr lvl="0" rtl="0">
+            <a:pPr lvl="0">
               <a:spcBef>
                 <a:spcPts val="0"/>
               </a:spcBef>
@@ -1373,7 +1375,7 @@
   <p:cSld>
     <p:spTree>
       <p:nvGrpSpPr>
-        <p:cNvPr id="234" name="Shape 234"/>
+        <p:cNvPr id="233" name="Shape 233"/>
         <p:cNvGrpSpPr/>
         <p:nvPr/>
       </p:nvGrpSpPr>
@@ -1387,7 +1389,7 @@
       </p:grpSpPr>
       <p:sp>
         <p:nvSpPr>
-          <p:cNvPr id="235" name="Shape 235"/>
+          <p:cNvPr id="234" name="Shape 234"/>
           <p:cNvSpPr/>
           <p:nvPr>
             <p:ph idx="2" type="sldImg"/>
@@ -1421,7 +1423,7 @@
       </p:sp>
       <p:sp>
         <p:nvSpPr>
-          <p:cNvPr id="236" name="Shape 236"/>
+          <p:cNvPr id="235" name="Shape 235"/>
           <p:cNvSpPr txBox="1"/>
           <p:nvPr>
             <p:ph idx="1" type="body"/>
@@ -1442,7 +1444,7 @@
           </a:bodyPr>
           <a:lstStyle/>
           <a:p>
-            <a:pPr lvl="0">
+            <a:pPr lvl="0" rtl="0">
               <a:spcBef>
                 <a:spcPts val="0"/>
               </a:spcBef>
@@ -1632,7 +1634,7 @@
           </a:bodyPr>
           <a:lstStyle/>
           <a:p>
-            <a:pPr lvl="0" rtl="0">
+            <a:pPr lvl="0">
               <a:spcBef>
                 <a:spcPts val="0"/>
               </a:spcBef>
@@ -1727,7 +1729,7 @@
           </a:bodyPr>
           <a:lstStyle/>
           <a:p>
-            <a:pPr lvl="0">
+            <a:pPr lvl="0" rtl="0">
               <a:spcBef>
                 <a:spcPts val="0"/>
               </a:spcBef>
@@ -1822,7 +1824,7 @@
           </a:bodyPr>
           <a:lstStyle/>
           <a:p>
-            <a:pPr lvl="0" rtl="0">
+            <a:pPr lvl="0">
               <a:spcBef>
                 <a:spcPts val="0"/>
               </a:spcBef>
@@ -2107,7 +2109,7 @@
           </a:bodyPr>
           <a:lstStyle/>
           <a:p>
-            <a:pPr lvl="0">
+            <a:pPr lvl="0" rtl="0">
               <a:spcBef>
                 <a:spcPts val="0"/>
               </a:spcBef>
@@ -2133,7 +2135,7 @@
   <p:cSld>
     <p:spTree>
       <p:nvGrpSpPr>
-        <p:cNvPr id="278" name="Shape 278"/>
+        <p:cNvPr id="276" name="Shape 276"/>
         <p:cNvGrpSpPr/>
         <p:nvPr/>
       </p:nvGrpSpPr>
@@ -2147,7 +2149,7 @@
       </p:grpSpPr>
       <p:sp>
         <p:nvSpPr>
-          <p:cNvPr id="279" name="Shape 279"/>
+          <p:cNvPr id="277" name="Shape 277"/>
           <p:cNvSpPr/>
           <p:nvPr>
             <p:ph idx="2" type="sldImg"/>
@@ -2181,7 +2183,197 @@
       </p:sp>
       <p:sp>
         <p:nvSpPr>
-          <p:cNvPr id="280" name="Shape 280"/>
+          <p:cNvPr id="278" name="Shape 278"/>
+          <p:cNvSpPr txBox="1"/>
+          <p:nvPr>
+            <p:ph idx="1" type="body"/>
+          </p:nvPr>
+        </p:nvSpPr>
+        <p:spPr>
+          <a:xfrm>
+            <a:off x="685800" y="4343400"/>
+            <a:ext cx="5486400" cy="4114800"/>
+          </a:xfrm>
+          <a:prstGeom prst="rect">
+            <a:avLst/>
+          </a:prstGeom>
+        </p:spPr>
+        <p:txBody>
+          <a:bodyPr anchorCtr="0" anchor="t" bIns="91425" lIns="91425" rIns="91425" wrap="square" tIns="91425">
+            <a:noAutofit/>
+          </a:bodyPr>
+          <a:lstStyle/>
+          <a:p>
+            <a:pPr lvl="0">
+              <a:spcBef>
+                <a:spcPts val="0"/>
+              </a:spcBef>
+              <a:buNone/>
+            </a:pPr>
+            <a:r>
+              <a:t/>
+            </a:r>
+            <a:endParaRPr/>
+          </a:p>
+        </p:txBody>
+      </p:sp>
+    </p:spTree>
+  </p:cSld>
+  <p:clrMapOvr>
+    <a:masterClrMapping/>
+  </p:clrMapOvr>
+</p:notes>
+</file>
+
+<file path=ppt/notesSlides/notesSlide27.xml><?xml version="1.0" encoding="utf-8"?>
+<p:notes xmlns:a="http://schemas.openxmlformats.org/drawingml/2006/main" xmlns:r="http://schemas.openxmlformats.org/officeDocument/2006/relationships" xmlns:mc="http://schemas.openxmlformats.org/markup-compatibility/2006" xmlns:mv="urn:schemas-microsoft-com:mac:vml" xmlns:p="http://schemas.openxmlformats.org/presentationml/2006/main" xmlns:c="http://schemas.openxmlformats.org/drawingml/2006/chart" xmlns:dgm="http://schemas.openxmlformats.org/drawingml/2006/diagram" xmlns:o="urn:schemas-microsoft-com:office:office" xmlns:v="urn:schemas-microsoft-com:vml" xmlns:pvml="urn:schemas-microsoft-com:office:powerpoint" xmlns:com="http://schemas.openxmlformats.org/drawingml/2006/compatibility" xmlns:p14="http://schemas.microsoft.com/office/powerpoint/2010/main" xmlns:p15="http://schemas.microsoft.com/office/powerpoint/2012/main" showMasterPhAnim="0" showMasterSp="0">
+  <p:cSld>
+    <p:spTree>
+      <p:nvGrpSpPr>
+        <p:cNvPr id="285" name="Shape 285"/>
+        <p:cNvGrpSpPr/>
+        <p:nvPr/>
+      </p:nvGrpSpPr>
+      <p:grpSpPr>
+        <a:xfrm>
+          <a:off x="0" y="0"/>
+          <a:ext cx="0" cy="0"/>
+          <a:chOff x="0" y="0"/>
+          <a:chExt cx="0" cy="0"/>
+        </a:xfrm>
+      </p:grpSpPr>
+      <p:sp>
+        <p:nvSpPr>
+          <p:cNvPr id="286" name="Shape 286"/>
+          <p:cNvSpPr/>
+          <p:nvPr>
+            <p:ph idx="2" type="sldImg"/>
+          </p:nvPr>
+        </p:nvSpPr>
+        <p:spPr>
+          <a:xfrm>
+            <a:off x="381300" y="685800"/>
+            <a:ext cx="6096000" cy="3429000"/>
+          </a:xfrm>
+          <a:custGeom>
+            <a:pathLst>
+              <a:path extrusionOk="0" h="120000" w="120000">
+                <a:moveTo>
+                  <a:pt x="0" y="0"/>
+                </a:moveTo>
+                <a:lnTo>
+                  <a:pt x="120000" y="0"/>
+                </a:lnTo>
+                <a:lnTo>
+                  <a:pt x="120000" y="120000"/>
+                </a:lnTo>
+                <a:lnTo>
+                  <a:pt x="0" y="120000"/>
+                </a:lnTo>
+                <a:close/>
+              </a:path>
+            </a:pathLst>
+          </a:custGeom>
+        </p:spPr>
+      </p:sp>
+      <p:sp>
+        <p:nvSpPr>
+          <p:cNvPr id="287" name="Shape 287"/>
+          <p:cNvSpPr txBox="1"/>
+          <p:nvPr>
+            <p:ph idx="1" type="body"/>
+          </p:nvPr>
+        </p:nvSpPr>
+        <p:spPr>
+          <a:xfrm>
+            <a:off x="685800" y="4343400"/>
+            <a:ext cx="5486400" cy="4114800"/>
+          </a:xfrm>
+          <a:prstGeom prst="rect">
+            <a:avLst/>
+          </a:prstGeom>
+        </p:spPr>
+        <p:txBody>
+          <a:bodyPr anchorCtr="0" anchor="t" bIns="91425" lIns="91425" rIns="91425" wrap="square" tIns="91425">
+            <a:noAutofit/>
+          </a:bodyPr>
+          <a:lstStyle/>
+          <a:p>
+            <a:pPr lvl="0">
+              <a:spcBef>
+                <a:spcPts val="0"/>
+              </a:spcBef>
+              <a:buNone/>
+            </a:pPr>
+            <a:r>
+              <a:t/>
+            </a:r>
+            <a:endParaRPr/>
+          </a:p>
+        </p:txBody>
+      </p:sp>
+    </p:spTree>
+  </p:cSld>
+  <p:clrMapOvr>
+    <a:masterClrMapping/>
+  </p:clrMapOvr>
+</p:notes>
+</file>
+
+<file path=ppt/notesSlides/notesSlide28.xml><?xml version="1.0" encoding="utf-8"?>
+<p:notes xmlns:a="http://schemas.openxmlformats.org/drawingml/2006/main" xmlns:r="http://schemas.openxmlformats.org/officeDocument/2006/relationships" xmlns:mc="http://schemas.openxmlformats.org/markup-compatibility/2006" xmlns:mv="urn:schemas-microsoft-com:mac:vml" xmlns:p="http://schemas.openxmlformats.org/presentationml/2006/main" xmlns:c="http://schemas.openxmlformats.org/drawingml/2006/chart" xmlns:dgm="http://schemas.openxmlformats.org/drawingml/2006/diagram" xmlns:o="urn:schemas-microsoft-com:office:office" xmlns:v="urn:schemas-microsoft-com:vml" xmlns:pvml="urn:schemas-microsoft-com:office:powerpoint" xmlns:com="http://schemas.openxmlformats.org/drawingml/2006/compatibility" xmlns:p14="http://schemas.microsoft.com/office/powerpoint/2010/main" xmlns:p15="http://schemas.microsoft.com/office/powerpoint/2012/main" showMasterPhAnim="0" showMasterSp="0">
+  <p:cSld>
+    <p:spTree>
+      <p:nvGrpSpPr>
+        <p:cNvPr id="291" name="Shape 291"/>
+        <p:cNvGrpSpPr/>
+        <p:nvPr/>
+      </p:nvGrpSpPr>
+      <p:grpSpPr>
+        <a:xfrm>
+          <a:off x="0" y="0"/>
+          <a:ext cx="0" cy="0"/>
+          <a:chOff x="0" y="0"/>
+          <a:chExt cx="0" cy="0"/>
+        </a:xfrm>
+      </p:grpSpPr>
+      <p:sp>
+        <p:nvSpPr>
+          <p:cNvPr id="292" name="Shape 292"/>
+          <p:cNvSpPr/>
+          <p:nvPr>
+            <p:ph idx="2" type="sldImg"/>
+          </p:nvPr>
+        </p:nvSpPr>
+        <p:spPr>
+          <a:xfrm>
+            <a:off x="381300" y="685800"/>
+            <a:ext cx="6096000" cy="3429000"/>
+          </a:xfrm>
+          <a:custGeom>
+            <a:pathLst>
+              <a:path extrusionOk="0" h="120000" w="120000">
+                <a:moveTo>
+                  <a:pt x="0" y="0"/>
+                </a:moveTo>
+                <a:lnTo>
+                  <a:pt x="120000" y="0"/>
+                </a:lnTo>
+                <a:lnTo>
+                  <a:pt x="120000" y="120000"/>
+                </a:lnTo>
+                <a:lnTo>
+                  <a:pt x="0" y="120000"/>
+                </a:lnTo>
+                <a:close/>
+              </a:path>
+            </a:pathLst>
+          </a:custGeom>
+        </p:spPr>
+      </p:sp>
+      <p:sp>
+        <p:nvSpPr>
+          <p:cNvPr id="293" name="Shape 293"/>
           <p:cNvSpPr txBox="1"/>
           <p:nvPr>
             <p:ph idx="1" type="body"/>
@@ -2582,7 +2774,7 @@
           </a:bodyPr>
           <a:lstStyle/>
           <a:p>
-            <a:pPr lvl="0" rtl="0">
+            <a:pPr lvl="0">
               <a:spcBef>
                 <a:spcPts val="0"/>
               </a:spcBef>
@@ -9448,7 +9640,7 @@
           </a:bodyPr>
           <a:lstStyle/>
           <a:p>
-            <a:pPr lvl="0" rtl="0">
+            <a:pPr lvl="0">
               <a:spcBef>
                 <a:spcPts val="0"/>
               </a:spcBef>
@@ -9468,7 +9660,7 @@
             </a:pPr>
             <a:r>
               <a:rPr lang="en"/>
-              <a:t>A hits</a:t>
+              <a:t>A stays</a:t>
             </a:r>
           </a:p>
         </p:txBody>
@@ -9504,7 +9696,7 @@
             </a:pPr>
             <a:r>
               <a:rPr lang="en" sz="1800"/>
-              <a:t>if A hits, her expected payoff is .5(2x) -.5(x) = .5x &gt; 0 so she will prefer to hit rather than stay</a:t>
+              <a:t>if B stays, then tie</a:t>
             </a:r>
           </a:p>
           <a:p>
@@ -9516,7 +9708,7 @@
             </a:pPr>
             <a:r>
               <a:rPr lang="en" sz="1800"/>
-              <a:t>suppose A hits and busts (drew a 3), B wins from staying (did nothing)</a:t>
+              <a:t>if B hits, payoff is .5(x) - .5(2x) = -.5x &lt; 0, so B wants to stay.</a:t>
             </a:r>
           </a:p>
           <a:p>
@@ -9527,20 +9719,20 @@
               <a:buNone/>
             </a:pPr>
             <a:r>
+              <a:t/>
+            </a:r>
+            <a:endParaRPr sz="1800"/>
+          </a:p>
+          <a:p>
+            <a:pPr lvl="0" rtl="0">
+              <a:spcBef>
+                <a:spcPts val="0"/>
+              </a:spcBef>
+              <a:buNone/>
+            </a:pPr>
+            <a:r>
               <a:rPr lang="en" sz="1800"/>
-              <a:t>suppose A hits and does not bust (drew a 1), B loses from staying (did nothing)</a:t>
-            </a:r>
-          </a:p>
-          <a:p>
-            <a:pPr lvl="0" rtl="0">
-              <a:spcBef>
-                <a:spcPts val="0"/>
-              </a:spcBef>
-              <a:buNone/>
-            </a:pPr>
-            <a:r>
-              <a:rPr lang="en" sz="1800"/>
-              <a:t>in either case, B ends up just staying so the optimal moves are (hit, stay)</a:t>
+              <a:t>hence if A stays, then B will stay and there will be a tie (no payout to either)</a:t>
             </a:r>
           </a:p>
         </p:txBody>
@@ -9593,7 +9785,7 @@
           </a:bodyPr>
           <a:lstStyle/>
           <a:p>
-            <a:pPr lvl="0">
+            <a:pPr lvl="0" rtl="0">
               <a:spcBef>
                 <a:spcPts val="0"/>
               </a:spcBef>
@@ -9601,19 +9793,19 @@
             </a:pPr>
             <a:r>
               <a:rPr lang="en"/>
-              <a:t>1.1) blackjack</a:t>
-            </a:r>
-          </a:p>
-          <a:p>
-            <a:pPr lvl="0">
-              <a:spcBef>
-                <a:spcPts val="0"/>
-              </a:spcBef>
-              <a:buNone/>
-            </a:pPr>
-            <a:r>
-              <a:rPr lang="en" sz="1800"/>
-              <a:t>see chapter 21 in `the doctrine of chance` by ethier</a:t>
+              <a:t>A has (3,1)  B has (3,1)</a:t>
+            </a:r>
+          </a:p>
+          <a:p>
+            <a:pPr lvl="0" rtl="0">
+              <a:spcBef>
+                <a:spcPts val="0"/>
+              </a:spcBef>
+              <a:buNone/>
+            </a:pPr>
+            <a:r>
+              <a:rPr lang="en"/>
+              <a:t>A hits</a:t>
             </a:r>
           </a:p>
         </p:txBody>
@@ -9649,7 +9841,7 @@
             </a:pPr>
             <a:r>
               <a:rPr lang="en" sz="1800"/>
-              <a:t>consider a relatively simplified version of blackjack as follows: n players and a dealer with a couple standard 52 card decks</a:t>
+              <a:t>if A hits, her expected payoff is .5(2x) -.5(x) = .5x &gt; 0 so she will prefer to hit rather than stay</a:t>
             </a:r>
           </a:p>
           <a:p>
@@ -9661,7 +9853,7 @@
             </a:pPr>
             <a:r>
               <a:rPr lang="en" sz="1800"/>
-              <a:t>everyone gets two cards face up and the dealer receives one card face up and one card face down. goal is to get close to 21 without busting. after everyone is done deciding to hit or stay, dealer hits until they bust or has 17 or higher</a:t>
+              <a:t>suppose A hits and busts (drew a 3), B wins from staying (did nothing)</a:t>
             </a:r>
           </a:p>
           <a:p>
@@ -9673,7 +9865,19 @@
             </a:pPr>
             <a:r>
               <a:rPr lang="en" sz="1800"/>
-              <a:t>2,...,10 worth their face value, J, Q, K worth 10, A worth 1 or 11; payoff is 3:2</a:t>
+              <a:t>suppose A hits and does not bust (drew a 1), B loses from staying (did nothing)</a:t>
+            </a:r>
+          </a:p>
+          <a:p>
+            <a:pPr lvl="0" rtl="0">
+              <a:spcBef>
+                <a:spcPts val="0"/>
+              </a:spcBef>
+              <a:buNone/>
+            </a:pPr>
+            <a:r>
+              <a:rPr lang="en" sz="1800"/>
+              <a:t>in either case, B ends up just staying so the optimal moves are (hit, stay)</a:t>
             </a:r>
           </a:p>
         </p:txBody>
@@ -9734,11 +9938,19 @@
             </a:pPr>
             <a:r>
               <a:rPr lang="en"/>
-              <a:t>s</a:t>
-            </a:r>
-            <a:r>
-              <a:rPr lang="en"/>
-              <a:t>olving blackjack</a:t>
+              <a:t>1.1) blackjack</a:t>
+            </a:r>
+          </a:p>
+          <a:p>
+            <a:pPr lvl="0">
+              <a:spcBef>
+                <a:spcPts val="0"/>
+              </a:spcBef>
+              <a:buNone/>
+            </a:pPr>
+            <a:r>
+              <a:rPr lang="en" sz="1800"/>
+              <a:t>see chapter 21 in `the doctrine of chance` by ethier</a:t>
             </a:r>
           </a:p>
         </p:txBody>
@@ -9774,7 +9986,7 @@
             </a:pPr>
             <a:r>
               <a:rPr lang="en" sz="1800"/>
-              <a:t>we can approach via the tree method as in the last case of `six`, but we would run out of time before the end of the world</a:t>
+              <a:t>consider a relatively simplified version of blackjack as follows: n players and a dealer with a couple standard 52 card decks</a:t>
             </a:r>
           </a:p>
           <a:p>
@@ -9786,7 +9998,19 @@
             </a:pPr>
             <a:r>
               <a:rPr lang="en" sz="1800"/>
-              <a:t>instead, we can cheat a little via counting cards: if we could tabulate what cards had been shown, we could give a reasonable guess of what’s left in the deck and decide to hit or stay more optimally</a:t>
+              <a:t>everyone gets two cards face up and the dealer receives one card face up and one card face down. goal is to get close to 21 without busting. after everyone is done deciding to hit or stay, dealer hits until they bust or has 17 or higher</a:t>
+            </a:r>
+          </a:p>
+          <a:p>
+            <a:pPr lvl="0">
+              <a:spcBef>
+                <a:spcPts val="0"/>
+              </a:spcBef>
+              <a:buNone/>
+            </a:pPr>
+            <a:r>
+              <a:rPr lang="en" sz="1800"/>
+              <a:t>2,...,10 worth their face value, J, Q, K worth 10, A worth 1 or 11</a:t>
             </a:r>
           </a:p>
         </p:txBody>
@@ -9847,19 +10071,11 @@
             </a:pPr>
             <a:r>
               <a:rPr lang="en"/>
-              <a:t>counting cards</a:t>
-            </a:r>
-          </a:p>
-          <a:p>
-            <a:pPr lvl="0" rtl="0">
-              <a:spcBef>
-                <a:spcPts val="0"/>
-              </a:spcBef>
-              <a:buNone/>
-            </a:pPr>
-            <a:r>
-              <a:rPr lang="en" sz="1800"/>
-              <a:t>see chapter 21.3 in `the doctrine of chance` by ethier</a:t>
+              <a:t>s</a:t>
+            </a:r>
+            <a:r>
+              <a:rPr lang="en"/>
+              <a:t>olving blackjack</a:t>
             </a:r>
           </a:p>
         </p:txBody>
@@ -9895,7 +10111,7 @@
             </a:pPr>
             <a:r>
               <a:rPr lang="en" sz="1800"/>
-              <a:t>consider a very basic up-down model:</a:t>
+              <a:t>we can approach via the tree method as in the last case of `six`, but that would take forever</a:t>
             </a:r>
           </a:p>
           <a:p>
@@ -9907,43 +10123,7 @@
             </a:pPr>
             <a:r>
               <a:rPr lang="en" sz="1800"/>
-              <a:t>	initialize count = 0</a:t>
-            </a:r>
-          </a:p>
-          <a:p>
-            <a:pPr indent="457200" lvl="0">
-              <a:spcBef>
-                <a:spcPts val="0"/>
-              </a:spcBef>
-              <a:buNone/>
-            </a:pPr>
-            <a:r>
-              <a:rPr lang="en" sz="1800"/>
-              <a:t>	if low cards (2,3,4,5,6): count += 1</a:t>
-            </a:r>
-          </a:p>
-          <a:p>
-            <a:pPr lvl="0">
-              <a:spcBef>
-                <a:spcPts val="0"/>
-              </a:spcBef>
-              <a:buNone/>
-            </a:pPr>
-            <a:r>
-              <a:rPr lang="en" sz="1800"/>
-              <a:t>		if mid cards (7,8,9): count += 0</a:t>
-            </a:r>
-          </a:p>
-          <a:p>
-            <a:pPr lvl="0" rtl="0">
-              <a:spcBef>
-                <a:spcPts val="0"/>
-              </a:spcBef>
-              <a:buNone/>
-            </a:pPr>
-            <a:r>
-              <a:rPr lang="en" sz="1800"/>
-              <a:t>		if high cards (10,J,Q,K,A): count -= 1</a:t>
+              <a:t>instead, we can cheat a little via counting cards: if we could tabulate what cards had been shown, we could give a reasonable guess of what’s left in the deck and decide to hit or stay more optimally</a:t>
             </a:r>
           </a:p>
         </p:txBody>
@@ -9996,6 +10176,18 @@
           </a:bodyPr>
           <a:lstStyle/>
           <a:p>
+            <a:pPr lvl="0">
+              <a:spcBef>
+                <a:spcPts val="0"/>
+              </a:spcBef>
+              <a:buNone/>
+            </a:pPr>
+            <a:r>
+              <a:rPr lang="en"/>
+              <a:t>counting cards</a:t>
+            </a:r>
+          </a:p>
+          <a:p>
             <a:pPr lvl="0" rtl="0">
               <a:spcBef>
                 <a:spcPts val="0"/>
@@ -10003,8 +10195,8 @@
               <a:buNone/>
             </a:pPr>
             <a:r>
-              <a:rPr lang="en"/>
-              <a:t>counting cards (intuition)</a:t>
+              <a:rPr lang="en" sz="1800"/>
+              <a:t>see chapter 21.3 in `the doctrine of chance` by ethier</a:t>
             </a:r>
           </a:p>
         </p:txBody>
@@ -10040,7 +10232,43 @@
             </a:pPr>
             <a:r>
               <a:rPr lang="en" sz="1800"/>
-              <a:t>if the count is sufficiently high, the game favors the player: the player stays and the dealer must hit, but the deck has many high cards so the likelihood that the dealer busts is higher</a:t>
+              <a:t>consider a very basic up-down model:</a:t>
+            </a:r>
+          </a:p>
+          <a:p>
+            <a:pPr lvl="0">
+              <a:spcBef>
+                <a:spcPts val="0"/>
+              </a:spcBef>
+              <a:buNone/>
+            </a:pPr>
+            <a:r>
+              <a:rPr lang="en" sz="1800"/>
+              <a:t>	initialize count = 0</a:t>
+            </a:r>
+          </a:p>
+          <a:p>
+            <a:pPr indent="457200" lvl="0">
+              <a:spcBef>
+                <a:spcPts val="0"/>
+              </a:spcBef>
+              <a:buNone/>
+            </a:pPr>
+            <a:r>
+              <a:rPr lang="en" sz="1800"/>
+              <a:t>	if low cards (2,3,4,5,6): count += 1</a:t>
+            </a:r>
+          </a:p>
+          <a:p>
+            <a:pPr lvl="0">
+              <a:spcBef>
+                <a:spcPts val="0"/>
+              </a:spcBef>
+              <a:buNone/>
+            </a:pPr>
+            <a:r>
+              <a:rPr lang="en" sz="1800"/>
+              <a:t>		if mid cards (7,8,9): count += 0</a:t>
             </a:r>
           </a:p>
           <a:p>
@@ -10052,7 +10280,7 @@
             </a:pPr>
             <a:r>
               <a:rPr lang="en" sz="1800"/>
-              <a:t>if the count is sufficiently low, the game favors the dealer: the dealer can inch his way up to 21. in this case, the player should hit and try to get up to 21 which increasing the count</a:t>
+              <a:t>		if high cards (10,J,Q,K,A): count -= 1</a:t>
             </a:r>
           </a:p>
         </p:txBody>
@@ -10113,11 +10341,7 @@
             </a:pPr>
             <a:r>
               <a:rPr lang="en"/>
-              <a:t>r</a:t>
-            </a:r>
-            <a:r>
-              <a:rPr lang="en"/>
-              <a:t>efinement of the up-down model</a:t>
+              <a:t>counting cards (intuition)</a:t>
             </a:r>
           </a:p>
         </p:txBody>
@@ -10153,7 +10377,7 @@
             </a:pPr>
             <a:r>
               <a:rPr lang="en" sz="1800"/>
-              <a:t>do the same thing but keep track of 5’s, 10’s, and A’s as well</a:t>
+              <a:t>if the count is sufficiently high, the game favors the player: the player stays and the dealer must hit, but the deck has many high cards so the likelihood that the dealer busts is higher</a:t>
             </a:r>
           </a:p>
           <a:p>
@@ -10165,7 +10389,7 @@
             </a:pPr>
             <a:r>
               <a:rPr lang="en" sz="1800"/>
-              <a:t>(ideally, we just remember every card that had showed up)</a:t>
+              <a:t>if the count is sufficiently low, the game favors the dealer: the dealer can inch his way up to 21. in this case, the player should hit and try to get up to 21 which increasing the count</a:t>
             </a:r>
           </a:p>
         </p:txBody>
@@ -10218,7 +10442,7 @@
           </a:bodyPr>
           <a:lstStyle/>
           <a:p>
-            <a:pPr lvl="0">
+            <a:pPr lvl="0" rtl="0">
               <a:spcBef>
                 <a:spcPts val="0"/>
               </a:spcBef>
@@ -10226,15 +10450,11 @@
             </a:pPr>
             <a:r>
               <a:rPr lang="en"/>
-              <a:t>2</a:t>
+              <a:t>r</a:t>
             </a:r>
             <a:r>
               <a:rPr lang="en"/>
-              <a:t>) </a:t>
-            </a:r>
-            <a:r>
-              <a:rPr lang="en"/>
-              <a:t>von neumann poker</a:t>
+              <a:t>efinement to the up-down model</a:t>
             </a:r>
           </a:p>
         </p:txBody>
@@ -10270,67 +10490,23 @@
             </a:pPr>
             <a:r>
               <a:rPr lang="en" sz="1800"/>
-              <a:t>t</a:t>
-            </a:r>
+              <a:t>do the same thing but keep track of 5’s, 10’s, and A’s as well</a:t>
+            </a:r>
+          </a:p>
+          <a:p>
+            <a:pPr lvl="0" rtl="0">
+              <a:spcBef>
+                <a:spcPts val="0"/>
+              </a:spcBef>
+              <a:buNone/>
+            </a:pPr>
             <a:r>
               <a:rPr lang="en" sz="1800"/>
-              <a:t>wo players, each player pays $1 and assume PI goes before PII</a:t>
-            </a:r>
-          </a:p>
-          <a:p>
-            <a:pPr lvl="0">
-              <a:spcBef>
-                <a:spcPts val="0"/>
-              </a:spcBef>
-              <a:buNone/>
-            </a:pPr>
-            <a:r>
-              <a:rPr lang="en" sz="1800"/>
-              <a:t>a</a:t>
-            </a:r>
-            <a:r>
-              <a:rPr lang="en" sz="1800"/>
-              <a:t>nd </a:t>
-            </a:r>
-            <a:r>
-              <a:rPr lang="en" sz="1800"/>
-              <a:t>w</a:t>
-            </a:r>
-            <a:r>
-              <a:rPr lang="en" sz="1800"/>
-              <a:t>e have a payoff tree as follows</a:t>
-            </a:r>
-          </a:p>
-        </p:txBody>
-      </p:sp>
-      <p:pic>
-        <p:nvPicPr>
-          <p:cNvPr id="220" name="Shape 220"/>
-          <p:cNvPicPr preferRelativeResize="0"/>
-          <p:nvPr/>
-        </p:nvPicPr>
-        <p:blipFill>
-          <a:blip r:embed="rId3">
-            <a:alphaModFix/>
-          </a:blip>
-          <a:stretch>
-            <a:fillRect/>
-          </a:stretch>
-        </p:blipFill>
-        <p:spPr>
-          <a:xfrm>
-            <a:off x="3230250" y="2910000"/>
-            <a:ext cx="2781125" cy="1589200"/>
-          </a:xfrm>
-          <a:prstGeom prst="rect">
-            <a:avLst/>
-          </a:prstGeom>
-          <a:noFill/>
-          <a:ln>
-            <a:noFill/>
-          </a:ln>
-        </p:spPr>
-      </p:pic>
+              <a:t>(ideally, we just remember every card that had showed up)</a:t>
+            </a:r>
+          </a:p>
+        </p:txBody>
+      </p:sp>
     </p:spTree>
   </p:cSld>
   <p:clrMapOvr>
@@ -10344,7 +10520,7 @@
   <p:cSld>
     <p:spTree>
       <p:nvGrpSpPr>
-        <p:cNvPr id="224" name="Shape 224"/>
+        <p:cNvPr id="223" name="Shape 223"/>
         <p:cNvGrpSpPr/>
         <p:nvPr/>
       </p:nvGrpSpPr>
@@ -10358,7 +10534,7 @@
       </p:grpSpPr>
       <p:sp>
         <p:nvSpPr>
-          <p:cNvPr id="225" name="Shape 225"/>
+          <p:cNvPr id="224" name="Shape 224"/>
           <p:cNvSpPr txBox="1"/>
           <p:nvPr>
             <p:ph type="title"/>
@@ -10379,7 +10555,7 @@
           </a:bodyPr>
           <a:lstStyle/>
           <a:p>
-            <a:pPr lvl="0" rtl="0">
+            <a:pPr lvl="0">
               <a:spcBef>
                 <a:spcPts val="0"/>
               </a:spcBef>
@@ -10387,14 +10563,22 @@
             </a:pPr>
             <a:r>
               <a:rPr lang="en"/>
-              <a:t>von neumann poker (cont)</a:t>
-            </a:r>
-          </a:p>
-        </p:txBody>
-      </p:sp>
-      <p:sp>
-        <p:nvSpPr>
-          <p:cNvPr id="226" name="Shape 226"/>
+              <a:t>2</a:t>
+            </a:r>
+            <a:r>
+              <a:rPr lang="en"/>
+              <a:t>) </a:t>
+            </a:r>
+            <a:r>
+              <a:rPr lang="en"/>
+              <a:t>von neumann poker</a:t>
+            </a:r>
+          </a:p>
+        </p:txBody>
+      </p:sp>
+      <p:sp>
+        <p:nvSpPr>
+          <p:cNvPr id="225" name="Shape 225"/>
           <p:cNvSpPr txBox="1"/>
           <p:nvPr>
             <p:ph idx="1" type="body"/>
@@ -10423,7 +10607,11 @@
             </a:pPr>
             <a:r>
               <a:rPr lang="en" sz="1800"/>
-              <a:t>suppose both players pick a number from an iid ~Uniform(0,1)</a:t>
+              <a:t>t</a:t>
+            </a:r>
+            <a:r>
+              <a:rPr lang="en" sz="1800"/>
+              <a:t>wo players, each player pays $1 and assume PI goes before PII</a:t>
             </a:r>
           </a:p>
           <a:p>
@@ -10435,23 +10623,51 @@
             </a:pPr>
             <a:r>
               <a:rPr lang="en" sz="1800"/>
-              <a:t>PI wins if x &gt; y and PII wins if x &lt; y (we don’t care about x=y since the prob is 0)</a:t>
-            </a:r>
-          </a:p>
-          <a:p>
-            <a:pPr lvl="0" rtl="0">
-              <a:spcBef>
-                <a:spcPts val="0"/>
-              </a:spcBef>
-              <a:buNone/>
-            </a:pPr>
+              <a:t>a</a:t>
+            </a:r>
             <a:r>
               <a:rPr lang="en" sz="1800"/>
-              <a:t>PI has optimal strategy see `Theory of Games and Economic Behavior` by von Neumann and Morgenstern (1944).</a:t>
-            </a:r>
-          </a:p>
-        </p:txBody>
-      </p:sp>
+              <a:t>nd </a:t>
+            </a:r>
+            <a:r>
+              <a:rPr lang="en" sz="1800"/>
+              <a:t>w</a:t>
+            </a:r>
+            <a:r>
+              <a:rPr lang="en" sz="1800"/>
+              <a:t>e have a payoff tree as follows</a:t>
+            </a:r>
+          </a:p>
+        </p:txBody>
+      </p:sp>
+      <p:pic>
+        <p:nvPicPr>
+          <p:cNvPr id="226" name="Shape 226"/>
+          <p:cNvPicPr preferRelativeResize="0"/>
+          <p:nvPr/>
+        </p:nvPicPr>
+        <p:blipFill>
+          <a:blip r:embed="rId3">
+            <a:alphaModFix/>
+          </a:blip>
+          <a:stretch>
+            <a:fillRect/>
+          </a:stretch>
+        </p:blipFill>
+        <p:spPr>
+          <a:xfrm>
+            <a:off x="3230250" y="2910000"/>
+            <a:ext cx="2781125" cy="1589200"/>
+          </a:xfrm>
+          <a:prstGeom prst="rect">
+            <a:avLst/>
+          </a:prstGeom>
+          <a:noFill/>
+          <a:ln>
+            <a:noFill/>
+          </a:ln>
+        </p:spPr>
+      </p:pic>
     </p:spTree>
   </p:cSld>
   <p:clrMapOvr>
@@ -10544,7 +10760,7 @@
             </a:pPr>
             <a:r>
               <a:rPr lang="en" sz="1800"/>
-              <a:t>optimal strategy:</a:t>
+              <a:t>suppose both players pick a number from an iid ~Uniform(0,1)</a:t>
             </a:r>
           </a:p>
           <a:p>
@@ -10556,11 +10772,11 @@
             </a:pPr>
             <a:r>
               <a:rPr lang="en" sz="1800"/>
-              <a:t>PI - bet if x &lt; a (hope PII folds) or x &gt; b (high enough value); check otherwise</a:t>
-            </a:r>
-          </a:p>
-          <a:p>
-            <a:pPr lvl="0">
+              <a:t>PI wins if x &gt; y and PII wins if x &lt; y (we don’t care about x=y since the prob is 0)</a:t>
+            </a:r>
+          </a:p>
+          <a:p>
+            <a:pPr lvl="0" rtl="0">
               <a:spcBef>
                 <a:spcPts val="0"/>
               </a:spcBef>
@@ -10568,51 +10784,11 @@
             </a:pPr>
             <a:r>
               <a:rPr lang="en" sz="1800"/>
-              <a:t>PII - call if y &gt; c (high enough value) fold if y &lt; a (too low)</a:t>
-            </a:r>
-          </a:p>
-          <a:p>
-            <a:pPr lvl="0" rtl="0">
-              <a:spcBef>
-                <a:spcPts val="0"/>
-              </a:spcBef>
-              <a:buNone/>
-            </a:pPr>
-            <a:r>
-              <a:t/>
-            </a:r>
-            <a:endParaRPr sz="1800"/>
-          </a:p>
-        </p:txBody>
-      </p:sp>
-      <p:pic>
-        <p:nvPicPr>
-          <p:cNvPr id="233" name="Shape 233"/>
-          <p:cNvPicPr preferRelativeResize="0"/>
-          <p:nvPr/>
-        </p:nvPicPr>
-        <p:blipFill>
-          <a:blip r:embed="rId3">
-            <a:alphaModFix/>
-          </a:blip>
-          <a:stretch>
-            <a:fillRect/>
-          </a:stretch>
-        </p:blipFill>
-        <p:spPr>
-          <a:xfrm>
-            <a:off x="2556512" y="3418050"/>
-            <a:ext cx="4030975" cy="1226300"/>
-          </a:xfrm>
-          <a:prstGeom prst="rect">
-            <a:avLst/>
-          </a:prstGeom>
-          <a:noFill/>
-          <a:ln>
-            <a:noFill/>
-          </a:ln>
-        </p:spPr>
-      </p:pic>
+              <a:t>PI has optimal strategy see `Theory of Games and Economic Behavior` by von Neumann and Morgenstern (1944)</a:t>
+            </a:r>
+          </a:p>
+        </p:txBody>
+      </p:sp>
     </p:spTree>
   </p:cSld>
   <p:clrMapOvr>
@@ -10626,7 +10802,7 @@
   <p:cSld>
     <p:spTree>
       <p:nvGrpSpPr>
-        <p:cNvPr id="237" name="Shape 237"/>
+        <p:cNvPr id="236" name="Shape 236"/>
         <p:cNvGrpSpPr/>
         <p:nvPr/>
       </p:nvGrpSpPr>
@@ -10640,7 +10816,7 @@
       </p:grpSpPr>
       <p:sp>
         <p:nvSpPr>
-          <p:cNvPr id="238" name="Shape 238"/>
+          <p:cNvPr id="237" name="Shape 237"/>
           <p:cNvSpPr txBox="1"/>
           <p:nvPr>
             <p:ph type="title"/>
@@ -10661,7 +10837,7 @@
           </a:bodyPr>
           <a:lstStyle/>
           <a:p>
-            <a:pPr lvl="0">
+            <a:pPr lvl="0" rtl="0">
               <a:spcBef>
                 <a:spcPts val="0"/>
               </a:spcBef>
@@ -10669,26 +10845,14 @@
             </a:pPr>
             <a:r>
               <a:rPr lang="en"/>
-              <a:t>2.1) poker (texas hold em)</a:t>
-            </a:r>
-          </a:p>
-          <a:p>
-            <a:pPr lvl="0">
-              <a:spcBef>
-                <a:spcPts val="0"/>
-              </a:spcBef>
-              <a:buNone/>
-            </a:pPr>
-            <a:r>
-              <a:rPr lang="en" sz="1800"/>
-              <a:t>see chapter 22 in `the doctrine of chance` by ethier</a:t>
-            </a:r>
-          </a:p>
-        </p:txBody>
-      </p:sp>
-      <p:sp>
-        <p:nvSpPr>
-          <p:cNvPr id="239" name="Shape 239"/>
+              <a:t>von neumann poker (cont)</a:t>
+            </a:r>
+          </a:p>
+        </p:txBody>
+      </p:sp>
+      <p:sp>
+        <p:nvSpPr>
+          <p:cNvPr id="238" name="Shape 238"/>
           <p:cNvSpPr txBox="1"/>
           <p:nvPr>
             <p:ph idx="1" type="body"/>
@@ -10710,9 +10874,6 @@
           <a:lstStyle/>
           <a:p>
             <a:pPr lvl="0">
-              <a:lnSpc>
-                <a:spcPct val="100000"/>
-              </a:lnSpc>
               <a:spcBef>
                 <a:spcPts val="0"/>
               </a:spcBef>
@@ -10720,18 +10881,23 @@
             </a:pPr>
             <a:r>
               <a:rPr lang="en" sz="1800"/>
-              <a:t>e</a:t>
-            </a:r>
+              <a:t>optimal strategy:</a:t>
+            </a:r>
+          </a:p>
+          <a:p>
+            <a:pPr lvl="0">
+              <a:spcBef>
+                <a:spcPts val="0"/>
+              </a:spcBef>
+              <a:buNone/>
+            </a:pPr>
             <a:r>
               <a:rPr lang="en" sz="1800"/>
-              <a:t>ach player dealt two cards face down with a round of check, bet, or fold</a:t>
+              <a:t>PI - bet if x &lt; a (hope PII folds) or x &gt; b (high enough value); check otherwise</a:t>
             </a:r>
           </a:p>
           <a:p>
             <a:pPr lvl="0">
-              <a:lnSpc>
-                <a:spcPct val="100000"/>
-              </a:lnSpc>
               <a:spcBef>
                 <a:spcPts val="0"/>
               </a:spcBef>
@@ -10739,68 +10905,51 @@
             </a:pPr>
             <a:r>
               <a:rPr lang="en" sz="1800"/>
-              <a:t>	(can also have blinds or ante)</a:t>
+              <a:t>PII - call if y &gt; c (high enough value) fold if y &lt; a (too low)</a:t>
             </a:r>
           </a:p>
           <a:p>
             <a:pPr lvl="0" rtl="0">
-              <a:lnSpc>
-                <a:spcPct val="100000"/>
-              </a:lnSpc>
-              <a:spcBef>
-                <a:spcPts val="0"/>
-              </a:spcBef>
-              <a:buNone/>
-            </a:pPr>
-            <a:r>
-              <a:rPr lang="en" sz="1800"/>
-              <a:t>a</a:t>
-            </a:r>
-            <a:r>
-              <a:rPr lang="en" sz="1800"/>
-              <a:t>fter first round comes the flop: three cards laid out in the middle followed by another round of check, bet, or fold</a:t>
-            </a:r>
-          </a:p>
-          <a:p>
-            <a:pPr lvl="0" rtl="0">
-              <a:lnSpc>
-                <a:spcPct val="100000"/>
-              </a:lnSpc>
-              <a:spcBef>
-                <a:spcPts val="0"/>
-              </a:spcBef>
-              <a:buNone/>
-            </a:pPr>
-            <a:r>
-              <a:rPr lang="en" sz="1800"/>
-              <a:t>t</a:t>
-            </a:r>
-            <a:r>
-              <a:rPr lang="en" sz="1800"/>
-              <a:t>hen the turn: one more card laid out followed by check, bet, or fold</a:t>
-            </a:r>
-          </a:p>
-          <a:p>
-            <a:pPr lvl="0">
-              <a:lnSpc>
-                <a:spcPct val="100000"/>
-              </a:lnSpc>
-              <a:spcBef>
-                <a:spcPts val="0"/>
-              </a:spcBef>
-              <a:buNone/>
-            </a:pPr>
-            <a:r>
-              <a:rPr lang="en" sz="1800"/>
-              <a:t>t</a:t>
-            </a:r>
-            <a:r>
-              <a:rPr lang="en" sz="1800"/>
-              <a:t>hen the river: one last card laid out followed by check, bet, or fold</a:t>
-            </a:r>
-          </a:p>
-        </p:txBody>
-      </p:sp>
+              <a:spcBef>
+                <a:spcPts val="0"/>
+              </a:spcBef>
+              <a:buNone/>
+            </a:pPr>
+            <a:r>
+              <a:t/>
+            </a:r>
+            <a:endParaRPr sz="1800"/>
+          </a:p>
+        </p:txBody>
+      </p:sp>
+      <p:pic>
+        <p:nvPicPr>
+          <p:cNvPr id="239" name="Shape 239"/>
+          <p:cNvPicPr preferRelativeResize="0"/>
+          <p:nvPr/>
+        </p:nvPicPr>
+        <p:blipFill>
+          <a:blip r:embed="rId3">
+            <a:alphaModFix/>
+          </a:blip>
+          <a:stretch>
+            <a:fillRect/>
+          </a:stretch>
+        </p:blipFill>
+        <p:spPr>
+          <a:xfrm>
+            <a:off x="2556512" y="3418050"/>
+            <a:ext cx="4030975" cy="1226300"/>
+          </a:xfrm>
+          <a:prstGeom prst="rect">
+            <a:avLst/>
+          </a:prstGeom>
+          <a:noFill/>
+          <a:ln>
+            <a:noFill/>
+          </a:ln>
+        </p:spPr>
+      </p:pic>
     </p:spTree>
   </p:cSld>
   <p:clrMapOvr>
@@ -10962,7 +11111,7 @@
           </a:bodyPr>
           <a:lstStyle/>
           <a:p>
-            <a:pPr lvl="0" rtl="0">
+            <a:pPr lvl="0">
               <a:spcBef>
                 <a:spcPts val="0"/>
               </a:spcBef>
@@ -10970,11 +11119,19 @@
             </a:pPr>
             <a:r>
               <a:rPr lang="en"/>
-              <a:t>s</a:t>
-            </a:r>
-            <a:r>
-              <a:rPr lang="en"/>
-              <a:t>olving poker</a:t>
+              <a:t>2.1) poker (texas hold em)</a:t>
+            </a:r>
+          </a:p>
+          <a:p>
+            <a:pPr lvl="0">
+              <a:spcBef>
+                <a:spcPts val="0"/>
+              </a:spcBef>
+              <a:buNone/>
+            </a:pPr>
+            <a:r>
+              <a:rPr lang="en" sz="1800"/>
+              <a:t>see chapter 22 in `the doctrine of chance` by ethier</a:t>
             </a:r>
           </a:p>
         </p:txBody>
@@ -11002,6 +11159,40 @@
           </a:bodyPr>
           <a:lstStyle/>
           <a:p>
+            <a:pPr lvl="0">
+              <a:lnSpc>
+                <a:spcPct val="100000"/>
+              </a:lnSpc>
+              <a:spcBef>
+                <a:spcPts val="0"/>
+              </a:spcBef>
+              <a:buNone/>
+            </a:pPr>
+            <a:r>
+              <a:rPr lang="en" sz="1800"/>
+              <a:t>e</a:t>
+            </a:r>
+            <a:r>
+              <a:rPr lang="en" sz="1800"/>
+              <a:t>ach player dealt two cards face down with a round of check, bet, or fold</a:t>
+            </a:r>
+          </a:p>
+          <a:p>
+            <a:pPr lvl="0">
+              <a:lnSpc>
+                <a:spcPct val="100000"/>
+              </a:lnSpc>
+              <a:spcBef>
+                <a:spcPts val="0"/>
+              </a:spcBef>
+              <a:buNone/>
+            </a:pPr>
+            <a:r>
+              <a:rPr lang="en" sz="1800"/>
+              <a:t>	(can also have blinds or ante)</a:t>
+            </a:r>
+          </a:p>
+          <a:p>
             <a:pPr lvl="0" rtl="0">
               <a:lnSpc>
                 <a:spcPct val="100000"/>
@@ -11013,7 +11204,11 @@
             </a:pPr>
             <a:r>
               <a:rPr lang="en" sz="1800"/>
-              <a:t>idk</a:t>
+              <a:t>a</a:t>
+            </a:r>
+            <a:r>
+              <a:rPr lang="en" sz="1800"/>
+              <a:t>fter first round comes the flop: three cards laid out in the middle followed by another round of check, bet, or fold</a:t>
             </a:r>
           </a:p>
           <a:p>
@@ -11028,11 +11223,15 @@
             </a:pPr>
             <a:r>
               <a:rPr lang="en" sz="1800"/>
-              <a:t>research area for [deep] reinforcement learning</a:t>
-            </a:r>
-          </a:p>
-          <a:p>
-            <a:pPr lvl="0" rtl="0">
+              <a:t>t</a:t>
+            </a:r>
+            <a:r>
+              <a:rPr lang="en" sz="1800"/>
+              <a:t>hen the turn: one more card laid out followed by check, bet, or fold</a:t>
+            </a:r>
+          </a:p>
+          <a:p>
+            <a:pPr lvl="0">
               <a:lnSpc>
                 <a:spcPct val="100000"/>
               </a:lnSpc>
@@ -11043,7 +11242,11 @@
             </a:pPr>
             <a:r>
               <a:rPr lang="en" sz="1800"/>
-              <a:t>	take CS 188 + 189 + 294-112</a:t>
+              <a:t>t</a:t>
+            </a:r>
+            <a:r>
+              <a:rPr lang="en" sz="1800"/>
+              <a:t>hen the river: one last card laid out followed by check, bet, or fold</a:t>
             </a:r>
           </a:p>
         </p:txBody>
@@ -11096,7 +11299,7 @@
           </a:bodyPr>
           <a:lstStyle/>
           <a:p>
-            <a:pPr lvl="0">
+            <a:pPr lvl="0" rtl="0">
               <a:spcBef>
                 <a:spcPts val="0"/>
               </a:spcBef>
@@ -11104,19 +11307,11 @@
             </a:pPr>
             <a:r>
               <a:rPr lang="en"/>
-              <a:t>3) kelly systems (single wager)</a:t>
-            </a:r>
-          </a:p>
-          <a:p>
-            <a:pPr lvl="0">
-              <a:spcBef>
-                <a:spcPts val="0"/>
-              </a:spcBef>
-              <a:buNone/>
-            </a:pPr>
-            <a:r>
-              <a:rPr lang="en" sz="1800"/>
-              <a:t>see chapter 10 in `the doctrine of chance` by ethier</a:t>
+              <a:t>s</a:t>
+            </a:r>
+            <a:r>
+              <a:rPr lang="en"/>
+              <a:t>olving poker</a:t>
             </a:r>
           </a:p>
         </p:txBody>
@@ -11144,7 +11339,10 @@
           </a:bodyPr>
           <a:lstStyle/>
           <a:p>
-            <a:pPr lvl="0">
+            <a:pPr lvl="0" rtl="0">
+              <a:lnSpc>
+                <a:spcPct val="100000"/>
+              </a:lnSpc>
               <a:spcBef>
                 <a:spcPts val="0"/>
               </a:spcBef>
@@ -11152,11 +11350,14 @@
             </a:pPr>
             <a:r>
               <a:rPr lang="en" sz="1800"/>
-              <a:t>consider a game that is super fair. let X (a [-1,infinity) discrete RV) represent the gambler’s profit per unit bet (the gamber gets X=-1 aka losing his bet with positive probability).</a:t>
-            </a:r>
-          </a:p>
-          <a:p>
-            <a:pPr lvl="0">
+              <a:t>idk</a:t>
+            </a:r>
+          </a:p>
+          <a:p>
+            <a:pPr lvl="0" rtl="0">
+              <a:lnSpc>
+                <a:spcPct val="100000"/>
+              </a:lnSpc>
               <a:spcBef>
                 <a:spcPts val="0"/>
               </a:spcBef>
@@ -11164,11 +11365,14 @@
             </a:pPr>
             <a:r>
               <a:rPr lang="en" sz="1800"/>
-              <a:t>let Xi represent the profit at coup and suppose the gamber bets Bi where Bi is a function of the previous profits (Bi = b(X1,...,Xi-1) and B1 = b1 a constant).</a:t>
-            </a:r>
-          </a:p>
-          <a:p>
-            <a:pPr lvl="0">
+              <a:t>research area for [deep] reinforcement learning</a:t>
+            </a:r>
+          </a:p>
+          <a:p>
+            <a:pPr lvl="0" rtl="0">
+              <a:lnSpc>
+                <a:spcPct val="100000"/>
+              </a:lnSpc>
               <a:spcBef>
                 <a:spcPts val="0"/>
               </a:spcBef>
@@ -11176,7 +11380,7 @@
             </a:pPr>
             <a:r>
               <a:rPr lang="en" sz="1800"/>
-              <a:t>the fortune can be defined as Fn = F0 + (B1X1+...+BnXn) where F0 is the initial fortune. </a:t>
+              <a:t>	take CS 188 + 189 + 294-112</a:t>
             </a:r>
           </a:p>
         </p:txBody>
@@ -11229,7 +11433,7 @@
           </a:bodyPr>
           <a:lstStyle/>
           <a:p>
-            <a:pPr lvl="0" rtl="0">
+            <a:pPr lvl="0">
               <a:spcBef>
                 <a:spcPts val="0"/>
               </a:spcBef>
@@ -11237,11 +11441,19 @@
             </a:pPr>
             <a:r>
               <a:rPr lang="en"/>
-              <a:t>h</a:t>
-            </a:r>
-            <a:r>
-              <a:rPr lang="en"/>
-              <a:t>orse race betting</a:t>
+              <a:t>3) kelly systems (single wager)</a:t>
+            </a:r>
+          </a:p>
+          <a:p>
+            <a:pPr lvl="0">
+              <a:spcBef>
+                <a:spcPts val="0"/>
+              </a:spcBef>
+              <a:buNone/>
+            </a:pPr>
+            <a:r>
+              <a:rPr lang="en" sz="1800"/>
+              <a:t>see chapter 10 in `the doctrine of chance` by ethier</a:t>
             </a:r>
           </a:p>
         </p:txBody>
@@ -11270,9 +11482,6 @@
           <a:lstStyle/>
           <a:p>
             <a:pPr lvl="0">
-              <a:lnSpc>
-                <a:spcPct val="100000"/>
-              </a:lnSpc>
               <a:spcBef>
                 <a:spcPts val="0"/>
               </a:spcBef>
@@ -11280,14 +11489,11 @@
             </a:pPr>
             <a:r>
               <a:rPr lang="en" sz="1800"/>
-              <a:t>suppose we choose to bet on a horse</a:t>
-            </a:r>
-          </a:p>
-          <a:p>
-            <a:pPr indent="457200" lvl="0" rtl="0">
-              <a:lnSpc>
-                <a:spcPct val="100000"/>
-              </a:lnSpc>
+              <a:t>consider a game that is super fair. let X (a [-1,infinity) discrete RV) represent the gambler’s profit per unit bet (the gamber gets X=-1 aka losing his bet with positive probability).</a:t>
+            </a:r>
+          </a:p>
+          <a:p>
+            <a:pPr lvl="0">
               <a:spcBef>
                 <a:spcPts val="0"/>
               </a:spcBef>
@@ -11295,14 +11501,11 @@
             </a:pPr>
             <a:r>
               <a:rPr lang="en" sz="1800"/>
-              <a:t>if the horse wins, it pays a to 1												P(X = a) = p</a:t>
-            </a:r>
-          </a:p>
-          <a:p>
-            <a:pPr indent="457200" lvl="0" rtl="0">
-              <a:lnSpc>
-                <a:spcPct val="100000"/>
-              </a:lnSpc>
+              <a:t>let Xi represent the profit at coup and suppose the gamber bets Bi where Bi is a function of the previous profits (Bi = b(X1,...,Xi-1) and B1 = b1 a constant).</a:t>
+            </a:r>
+          </a:p>
+          <a:p>
+            <a:pPr lvl="0">
               <a:spcBef>
                 <a:spcPts val="0"/>
               </a:spcBef>
@@ -11310,22 +11513,7 @@
             </a:pPr>
             <a:r>
               <a:rPr lang="en" sz="1800"/>
-              <a:t>if the horse ties with another winning horse, you get your dollar back				P(X = 0) = r</a:t>
-            </a:r>
-          </a:p>
-          <a:p>
-            <a:pPr indent="457200" lvl="0" rtl="0">
-              <a:lnSpc>
-                <a:spcPct val="100000"/>
-              </a:lnSpc>
-              <a:spcBef>
-                <a:spcPts val="0"/>
-              </a:spcBef>
-              <a:buNone/>
-            </a:pPr>
-            <a:r>
-              <a:rPr lang="en" sz="1800"/>
-              <a:t>if the horse loses, you lose a dollar											P(X = -1) = q</a:t>
+              <a:t>the fortune can be defined as Fn = F0 + (B1X1+...+BnXn) where F0 is the initial fortune. </a:t>
             </a:r>
           </a:p>
         </p:txBody>
@@ -11386,7 +11574,11 @@
             </a:pPr>
             <a:r>
               <a:rPr lang="en"/>
-              <a:t>horse race betting</a:t>
+              <a:t>h</a:t>
+            </a:r>
+            <a:r>
+              <a:rPr lang="en"/>
+              <a:t>orse race betting</a:t>
             </a:r>
           </a:p>
         </p:txBody>
@@ -11414,7 +11606,7 @@
           </a:bodyPr>
           <a:lstStyle/>
           <a:p>
-            <a:pPr indent="0" lvl="0" marL="0" rtl="0">
+            <a:pPr lvl="0">
               <a:lnSpc>
                 <a:spcPct val="100000"/>
               </a:lnSpc>
@@ -11425,11 +11617,11 @@
             </a:pPr>
             <a:r>
               <a:rPr lang="en" sz="1800"/>
-              <a:t>to determine the optimal betting proportion f, consider the expected log profit</a:t>
-            </a:r>
-          </a:p>
-          <a:p>
-            <a:pPr indent="0" lvl="0" marL="0" rtl="0">
+              <a:t>suppose we choose to bet on a horse</a:t>
+            </a:r>
+          </a:p>
+          <a:p>
+            <a:pPr indent="457200" lvl="0" rtl="0">
               <a:lnSpc>
                 <a:spcPct val="100000"/>
               </a:lnSpc>
@@ -11440,11 +11632,11 @@
             </a:pPr>
             <a:r>
               <a:rPr lang="en" sz="1800"/>
-              <a:t>	u(f) = E[log(1+fX)] = p*log(1 + af) + r*log(1 + 0f) + q*log(1 - f)							       = p*log(1 + af) + q*log(1-f)</a:t>
-            </a:r>
-          </a:p>
-          <a:p>
-            <a:pPr indent="0" lvl="0" marL="0" rtl="0">
+              <a:t>if the horse wins, it pays a to 1												P(X = a) = p</a:t>
+            </a:r>
+          </a:p>
+          <a:p>
+            <a:pPr indent="457200" lvl="0" rtl="0">
               <a:lnSpc>
                 <a:spcPct val="100000"/>
               </a:lnSpc>
@@ -11455,11 +11647,11 @@
             </a:pPr>
             <a:r>
               <a:rPr lang="en" sz="1800"/>
-              <a:t>take the derivative and set equal to 0 to solve</a:t>
-            </a:r>
-          </a:p>
-          <a:p>
-            <a:pPr indent="457200" lvl="0" marL="0" rtl="0">
+              <a:t>if the horse ties with another winning horse, you get your dollar back				P(X = 0) = r</a:t>
+            </a:r>
+          </a:p>
+          <a:p>
+            <a:pPr indent="457200" lvl="0" rtl="0">
               <a:lnSpc>
                 <a:spcPct val="100000"/>
               </a:lnSpc>
@@ -11470,26 +11662,7 @@
             </a:pPr>
             <a:r>
               <a:rPr lang="en" sz="1800"/>
-              <a:t>f* = (ap-q)/(a(p+q)) = E[X|X </a:t>
-            </a:r>
-            <a:r>
-              <a:rPr lang="en" sz="1200">
-                <a:solidFill>
-                  <a:srgbClr val="222222"/>
-                </a:solidFill>
-                <a:highlight>
-                  <a:srgbClr val="FFFFFF"/>
-                </a:highlight>
-                <a:latin typeface="Arial"/>
-                <a:ea typeface="Arial"/>
-                <a:cs typeface="Arial"/>
-                <a:sym typeface="Arial"/>
-              </a:rPr>
-              <a:t>≠ </a:t>
-            </a:r>
-            <a:r>
-              <a:rPr lang="en" sz="1800"/>
-              <a:t>0]/a</a:t>
+              <a:t>if the horse loses, you lose a dollar											P(X = -1) = q</a:t>
             </a:r>
           </a:p>
         </p:txBody>
@@ -11589,7 +11762,71 @@
             </a:pPr>
             <a:r>
               <a:rPr lang="en" sz="1800"/>
-              <a:t>if we had data on how a horse performed in the past, we could estimate p and q from the proportions of their wins and losses and bet f* of our fortune on that horse</a:t>
+              <a:t>to determine the optimal betting proportion f, consider the expected log profit</a:t>
+            </a:r>
+          </a:p>
+          <a:p>
+            <a:pPr indent="0" lvl="0" marL="0" rtl="0">
+              <a:lnSpc>
+                <a:spcPct val="100000"/>
+              </a:lnSpc>
+              <a:spcBef>
+                <a:spcPts val="0"/>
+              </a:spcBef>
+              <a:buNone/>
+            </a:pPr>
+            <a:r>
+              <a:rPr lang="en" sz="1800"/>
+              <a:t>	u(f) = E[log(1+fX)] = p*log(1 + af) + r*log(1 + 0f) + q*log(1 - f)							       = p*log(1 + af) + q*log(1-f)</a:t>
+            </a:r>
+          </a:p>
+          <a:p>
+            <a:pPr indent="0" lvl="0" marL="0" rtl="0">
+              <a:lnSpc>
+                <a:spcPct val="100000"/>
+              </a:lnSpc>
+              <a:spcBef>
+                <a:spcPts val="0"/>
+              </a:spcBef>
+              <a:buNone/>
+            </a:pPr>
+            <a:r>
+              <a:rPr lang="en" sz="1800"/>
+              <a:t>take the derivative and set equal to 0 to solve</a:t>
+            </a:r>
+          </a:p>
+          <a:p>
+            <a:pPr indent="457200" lvl="0" marL="0" rtl="0">
+              <a:lnSpc>
+                <a:spcPct val="100000"/>
+              </a:lnSpc>
+              <a:spcBef>
+                <a:spcPts val="0"/>
+              </a:spcBef>
+              <a:buNone/>
+            </a:pPr>
+            <a:r>
+              <a:rPr lang="en" sz="1800"/>
+              <a:t>f* = (ap-q)/(a(p+q)) = E[X|X </a:t>
+            </a:r>
+            <a:r>
+              <a:rPr lang="en" sz="1200">
+                <a:solidFill>
+                  <a:srgbClr val="222222"/>
+                </a:solidFill>
+                <a:highlight>
+                  <a:srgbClr val="FFFFFF"/>
+                </a:highlight>
+                <a:latin typeface="Arial"/>
+                <a:ea typeface="Arial"/>
+                <a:cs typeface="Arial"/>
+                <a:sym typeface="Arial"/>
+              </a:rPr>
+              <a:t>≠ </a:t>
+            </a:r>
+            <a:r>
+              <a:rPr lang="en" sz="1800"/>
+              <a:t>0]/a   !!! this doesn’t depend on ties !!!</a:t>
             </a:r>
           </a:p>
         </p:txBody>
@@ -11642,7 +11879,7 @@
           </a:bodyPr>
           <a:lstStyle/>
           <a:p>
-            <a:pPr lvl="0">
+            <a:pPr lvl="0" rtl="0">
               <a:spcBef>
                 <a:spcPts val="0"/>
               </a:spcBef>
@@ -11650,7 +11887,7 @@
             </a:pPr>
             <a:r>
               <a:rPr lang="en"/>
-              <a:t>3.1) simultaneous wagers kelly systems</a:t>
+              <a:t>horse race betting</a:t>
             </a:r>
           </a:p>
         </p:txBody>
@@ -11678,7 +11915,10 @@
           </a:bodyPr>
           <a:lstStyle/>
           <a:p>
-            <a:pPr lvl="0">
+            <a:pPr indent="0" lvl="0" marL="0" rtl="0">
+              <a:lnSpc>
+                <a:spcPct val="100000"/>
+              </a:lnSpc>
               <a:spcBef>
                 <a:spcPts val="0"/>
               </a:spcBef>
@@ -11686,79 +11926,11 @@
             </a:pPr>
             <a:r>
               <a:rPr lang="en" sz="1800"/>
-              <a:t>what if we wanted to bet on more than one horse (hedging our bets)?</a:t>
-            </a:r>
-          </a:p>
-          <a:p>
-            <a:pPr indent="0" lvl="0" marL="0" rtl="0">
-              <a:spcBef>
-                <a:spcPts val="0"/>
-              </a:spcBef>
-              <a:buNone/>
-            </a:pPr>
-            <a:r>
-              <a:rPr lang="en" sz="1800"/>
-              <a:t>let I be the set of horses we bet on, w the withheld capital, and fj the proportion of our fortune we bet on horses. using a lot of math, the optimal allocation can be solved to be											(1) for withheld capital:			 	     (2) for full capital bet:</a:t>
-            </a:r>
-          </a:p>
-        </p:txBody>
-      </p:sp>
-      <p:pic>
-        <p:nvPicPr>
-          <p:cNvPr id="276" name="Shape 276"/>
-          <p:cNvPicPr preferRelativeResize="0"/>
-          <p:nvPr/>
-        </p:nvPicPr>
-        <p:blipFill>
-          <a:blip r:embed="rId3">
-            <a:alphaModFix/>
-          </a:blip>
-          <a:stretch>
-            <a:fillRect/>
-          </a:stretch>
-        </p:blipFill>
-        <p:spPr>
-          <a:xfrm>
-            <a:off x="487325" y="3905375"/>
-            <a:ext cx="4436251" cy="637050"/>
-          </a:xfrm>
-          <a:prstGeom prst="rect">
-            <a:avLst/>
-          </a:prstGeom>
-          <a:noFill/>
-          <a:ln>
-            <a:noFill/>
-          </a:ln>
-        </p:spPr>
-      </p:pic>
-      <p:pic>
-        <p:nvPicPr>
-          <p:cNvPr id="277" name="Shape 277"/>
-          <p:cNvPicPr preferRelativeResize="0"/>
-          <p:nvPr/>
-        </p:nvPicPr>
-        <p:blipFill>
-          <a:blip r:embed="rId4">
-            <a:alphaModFix/>
-          </a:blip>
-          <a:stretch>
-            <a:fillRect/>
-          </a:stretch>
-        </p:blipFill>
-        <p:spPr>
-          <a:xfrm>
-            <a:off x="5400600" y="4080125"/>
-            <a:ext cx="2055500" cy="287550"/>
-          </a:xfrm>
-          <a:prstGeom prst="rect">
-            <a:avLst/>
-          </a:prstGeom>
-          <a:noFill/>
-          <a:ln>
-            <a:noFill/>
-          </a:ln>
-        </p:spPr>
-      </p:pic>
+              <a:t>if we had data on how a horse performed in the past, we could estimate p and q from the proportions of their wins and losses and bet f* of our fortune on that horse</a:t>
+            </a:r>
+          </a:p>
+        </p:txBody>
+      </p:sp>
     </p:spTree>
   </p:cSld>
   <p:clrMapOvr>
@@ -11772,7 +11944,7 @@
   <p:cSld>
     <p:spTree>
       <p:nvGrpSpPr>
-        <p:cNvPr id="281" name="Shape 281"/>
+        <p:cNvPr id="279" name="Shape 279"/>
         <p:cNvGrpSpPr/>
         <p:nvPr/>
       </p:nvGrpSpPr>
@@ -11786,7 +11958,7 @@
       </p:grpSpPr>
       <p:sp>
         <p:nvSpPr>
-          <p:cNvPr id="282" name="Shape 282"/>
+          <p:cNvPr id="280" name="Shape 280"/>
           <p:cNvSpPr txBox="1"/>
           <p:nvPr>
             <p:ph type="title"/>
@@ -11815,18 +11987,14 @@
             </a:pPr>
             <a:r>
               <a:rPr lang="en"/>
-              <a:t>t</a:t>
-            </a:r>
-            <a:r>
-              <a:rPr lang="en"/>
-              <a:t>hank you for coming!</a:t>
-            </a:r>
-          </a:p>
-        </p:txBody>
-      </p:sp>
-      <p:sp>
-        <p:nvSpPr>
-          <p:cNvPr id="283" name="Shape 283"/>
+              <a:t>3.1) simultaneous wagers kelly systems</a:t>
+            </a:r>
+          </a:p>
+        </p:txBody>
+      </p:sp>
+      <p:sp>
+        <p:nvSpPr>
+          <p:cNvPr id="281" name="Shape 281"/>
           <p:cNvSpPr txBox="1"/>
           <p:nvPr>
             <p:ph idx="1" type="body"/>
@@ -11855,11 +12023,338 @@
             </a:pPr>
             <a:r>
               <a:rPr lang="en" sz="1800"/>
+              <a:t>what if we wanted to bet on more than one horse (hedging our bets)?</a:t>
+            </a:r>
+          </a:p>
+          <a:p>
+            <a:pPr indent="0" lvl="0" marL="0" rtl="0">
+              <a:spcBef>
+                <a:spcPts val="0"/>
+              </a:spcBef>
+              <a:buNone/>
+            </a:pPr>
+            <a:r>
+              <a:rPr lang="en" sz="1800"/>
+              <a:t>let I be the set of horses we bet on, w the withheld capital, and fj the proportion of our fortune we bet on horses. using a lot of math, the optimal allocation can be solved to be											(1) for withheld capital:			 	     (2) for full capital bet:</a:t>
+            </a:r>
+          </a:p>
+        </p:txBody>
+      </p:sp>
+      <p:pic>
+        <p:nvPicPr>
+          <p:cNvPr id="282" name="Shape 282"/>
+          <p:cNvPicPr preferRelativeResize="0"/>
+          <p:nvPr/>
+        </p:nvPicPr>
+        <p:blipFill>
+          <a:blip r:embed="rId3">
+            <a:alphaModFix/>
+          </a:blip>
+          <a:stretch>
+            <a:fillRect/>
+          </a:stretch>
+        </p:blipFill>
+        <p:spPr>
+          <a:xfrm>
+            <a:off x="466325" y="4080125"/>
+            <a:ext cx="4436251" cy="637050"/>
+          </a:xfrm>
+          <a:prstGeom prst="rect">
+            <a:avLst/>
+          </a:prstGeom>
+          <a:noFill/>
+          <a:ln>
+            <a:noFill/>
+          </a:ln>
+        </p:spPr>
+      </p:pic>
+      <p:pic>
+        <p:nvPicPr>
+          <p:cNvPr id="283" name="Shape 283"/>
+          <p:cNvPicPr preferRelativeResize="0"/>
+          <p:nvPr/>
+        </p:nvPicPr>
+        <p:blipFill>
+          <a:blip r:embed="rId4">
+            <a:alphaModFix/>
+          </a:blip>
+          <a:stretch>
+            <a:fillRect/>
+          </a:stretch>
+        </p:blipFill>
+        <p:spPr>
+          <a:xfrm>
+            <a:off x="5400600" y="4080125"/>
+            <a:ext cx="2055500" cy="287550"/>
+          </a:xfrm>
+          <a:prstGeom prst="rect">
+            <a:avLst/>
+          </a:prstGeom>
+          <a:noFill/>
+          <a:ln>
+            <a:noFill/>
+          </a:ln>
+        </p:spPr>
+      </p:pic>
+      <p:pic>
+        <p:nvPicPr>
+          <p:cNvPr id="284" name="Shape 284"/>
+          <p:cNvPicPr preferRelativeResize="0"/>
+          <p:nvPr/>
+        </p:nvPicPr>
+        <p:blipFill>
+          <a:blip r:embed="rId5">
+            <a:alphaModFix/>
+          </a:blip>
+          <a:stretch>
+            <a:fillRect/>
+          </a:stretch>
+        </p:blipFill>
+        <p:spPr>
+          <a:xfrm>
+            <a:off x="913625" y="3845050"/>
+            <a:ext cx="3013524" cy="287550"/>
+          </a:xfrm>
+          <a:prstGeom prst="rect">
+            <a:avLst/>
+          </a:prstGeom>
+          <a:noFill/>
+          <a:ln>
+            <a:noFill/>
+          </a:ln>
+        </p:spPr>
+      </p:pic>
+    </p:spTree>
+  </p:cSld>
+  <p:clrMapOvr>
+    <a:masterClrMapping/>
+  </p:clrMapOvr>
+</p:sld>
+</file>
+
+<file path=ppt/slides/slide27.xml><?xml version="1.0" encoding="utf-8"?>
+<p:sld xmlns:a="http://schemas.openxmlformats.org/drawingml/2006/main" xmlns:r="http://schemas.openxmlformats.org/officeDocument/2006/relationships" xmlns:mc="http://schemas.openxmlformats.org/markup-compatibility/2006" xmlns:mv="urn:schemas-microsoft-com:mac:vml" xmlns:p="http://schemas.openxmlformats.org/presentationml/2006/main" xmlns:c="http://schemas.openxmlformats.org/drawingml/2006/chart" xmlns:dgm="http://schemas.openxmlformats.org/drawingml/2006/diagram" xmlns:o="urn:schemas-microsoft-com:office:office" xmlns:v="urn:schemas-microsoft-com:vml" xmlns:pvml="urn:schemas-microsoft-com:office:powerpoint" xmlns:com="http://schemas.openxmlformats.org/drawingml/2006/compatibility" xmlns:p14="http://schemas.microsoft.com/office/powerpoint/2010/main" xmlns:p15="http://schemas.microsoft.com/office/powerpoint/2012/main">
+  <p:cSld>
+    <p:spTree>
+      <p:nvGrpSpPr>
+        <p:cNvPr id="288" name="Shape 288"/>
+        <p:cNvGrpSpPr/>
+        <p:nvPr/>
+      </p:nvGrpSpPr>
+      <p:grpSpPr>
+        <a:xfrm>
+          <a:off x="0" y="0"/>
+          <a:ext cx="0" cy="0"/>
+          <a:chOff x="0" y="0"/>
+          <a:chExt cx="0" cy="0"/>
+        </a:xfrm>
+      </p:grpSpPr>
+      <p:sp>
+        <p:nvSpPr>
+          <p:cNvPr id="289" name="Shape 289"/>
+          <p:cNvSpPr txBox="1"/>
+          <p:nvPr>
+            <p:ph type="title"/>
+          </p:nvPr>
+        </p:nvSpPr>
+        <p:spPr>
+          <a:xfrm>
+            <a:off x="819150" y="845600"/>
+            <a:ext cx="7505700" cy="954600"/>
+          </a:xfrm>
+          <a:prstGeom prst="rect">
+            <a:avLst/>
+          </a:prstGeom>
+        </p:spPr>
+        <p:txBody>
+          <a:bodyPr anchorCtr="0" anchor="t" bIns="91425" lIns="91425" rIns="91425" wrap="square" tIns="91425">
+            <a:noAutofit/>
+          </a:bodyPr>
+          <a:lstStyle/>
+          <a:p>
+            <a:pPr lvl="0">
+              <a:spcBef>
+                <a:spcPts val="0"/>
+              </a:spcBef>
+              <a:buNone/>
+            </a:pPr>
+            <a:r>
+              <a:rPr lang="en"/>
+              <a:t>simulations</a:t>
+            </a:r>
+          </a:p>
+        </p:txBody>
+      </p:sp>
+      <p:sp>
+        <p:nvSpPr>
+          <p:cNvPr id="290" name="Shape 290"/>
+          <p:cNvSpPr txBox="1"/>
+          <p:nvPr>
+            <p:ph idx="1" type="body"/>
+          </p:nvPr>
+        </p:nvSpPr>
+        <p:spPr>
+          <a:xfrm>
+            <a:off x="819150" y="1990725"/>
+            <a:ext cx="7505700" cy="2448000"/>
+          </a:xfrm>
+          <a:prstGeom prst="rect">
+            <a:avLst/>
+          </a:prstGeom>
+        </p:spPr>
+        <p:txBody>
+          <a:bodyPr anchorCtr="0" anchor="t" bIns="91425" lIns="91425" rIns="91425" wrap="square" tIns="91425">
+            <a:noAutofit/>
+          </a:bodyPr>
+          <a:lstStyle/>
+          <a:p>
+            <a:pPr lvl="0">
+              <a:spcBef>
+                <a:spcPts val="0"/>
+              </a:spcBef>
+              <a:buNone/>
+            </a:pPr>
+            <a:r>
+              <a:rPr lang="en" sz="1800"/>
+              <a:t>code available at: </a:t>
+            </a:r>
+            <a:r>
+              <a:rPr lang="en" sz="1800" u="sng">
+                <a:solidFill>
+                  <a:schemeClr val="hlink"/>
+                </a:solidFill>
+                <a:hlinkClick r:id="rId3"/>
+              </a:rPr>
+              <a:t>https://github.com/erickim/kellyCriterion</a:t>
+            </a:r>
+          </a:p>
+          <a:p>
+            <a:pPr lvl="0" rtl="0">
+              <a:spcBef>
+                <a:spcPts val="0"/>
+              </a:spcBef>
+              <a:buNone/>
+            </a:pPr>
+            <a:r>
+              <a:t/>
+            </a:r>
+            <a:endParaRPr sz="1800"/>
+          </a:p>
+          <a:p>
+            <a:pPr lvl="0">
+              <a:spcBef>
+                <a:spcPts val="0"/>
+              </a:spcBef>
+              <a:buNone/>
+            </a:pPr>
+            <a:r>
+              <a:rPr lang="en" sz="1800"/>
+              <a:t>you can also `git clone https://github.com/erickim/kellyCriterion.git`</a:t>
+            </a:r>
+          </a:p>
+        </p:txBody>
+      </p:sp>
+    </p:spTree>
+  </p:cSld>
+  <p:clrMapOvr>
+    <a:masterClrMapping/>
+  </p:clrMapOvr>
+</p:sld>
+</file>
+
+<file path=ppt/slides/slide28.xml><?xml version="1.0" encoding="utf-8"?>
+<p:sld xmlns:a="http://schemas.openxmlformats.org/drawingml/2006/main" xmlns:r="http://schemas.openxmlformats.org/officeDocument/2006/relationships" xmlns:mc="http://schemas.openxmlformats.org/markup-compatibility/2006" xmlns:mv="urn:schemas-microsoft-com:mac:vml" xmlns:p="http://schemas.openxmlformats.org/presentationml/2006/main" xmlns:c="http://schemas.openxmlformats.org/drawingml/2006/chart" xmlns:dgm="http://schemas.openxmlformats.org/drawingml/2006/diagram" xmlns:o="urn:schemas-microsoft-com:office:office" xmlns:v="urn:schemas-microsoft-com:vml" xmlns:pvml="urn:schemas-microsoft-com:office:powerpoint" xmlns:com="http://schemas.openxmlformats.org/drawingml/2006/compatibility" xmlns:p14="http://schemas.microsoft.com/office/powerpoint/2010/main" xmlns:p15="http://schemas.microsoft.com/office/powerpoint/2012/main">
+  <p:cSld>
+    <p:spTree>
+      <p:nvGrpSpPr>
+        <p:cNvPr id="294" name="Shape 294"/>
+        <p:cNvGrpSpPr/>
+        <p:nvPr/>
+      </p:nvGrpSpPr>
+      <p:grpSpPr>
+        <a:xfrm>
+          <a:off x="0" y="0"/>
+          <a:ext cx="0" cy="0"/>
+          <a:chOff x="0" y="0"/>
+          <a:chExt cx="0" cy="0"/>
+        </a:xfrm>
+      </p:grpSpPr>
+      <p:sp>
+        <p:nvSpPr>
+          <p:cNvPr id="295" name="Shape 295"/>
+          <p:cNvSpPr txBox="1"/>
+          <p:nvPr>
+            <p:ph type="title"/>
+          </p:nvPr>
+        </p:nvSpPr>
+        <p:spPr>
+          <a:xfrm>
+            <a:off x="819150" y="845600"/>
+            <a:ext cx="7505700" cy="954600"/>
+          </a:xfrm>
+          <a:prstGeom prst="rect">
+            <a:avLst/>
+          </a:prstGeom>
+        </p:spPr>
+        <p:txBody>
+          <a:bodyPr anchorCtr="0" anchor="t" bIns="91425" lIns="91425" rIns="91425" wrap="square" tIns="91425">
+            <a:noAutofit/>
+          </a:bodyPr>
+          <a:lstStyle/>
+          <a:p>
+            <a:pPr lvl="0">
+              <a:spcBef>
+                <a:spcPts val="0"/>
+              </a:spcBef>
+              <a:buNone/>
+            </a:pPr>
+            <a:r>
+              <a:rPr lang="en"/>
+              <a:t>t</a:t>
+            </a:r>
+            <a:r>
+              <a:rPr lang="en"/>
+              <a:t>hank you for coming!</a:t>
+            </a:r>
+          </a:p>
+        </p:txBody>
+      </p:sp>
+      <p:sp>
+        <p:nvSpPr>
+          <p:cNvPr id="296" name="Shape 296"/>
+          <p:cNvSpPr txBox="1"/>
+          <p:nvPr>
+            <p:ph idx="1" type="body"/>
+          </p:nvPr>
+        </p:nvSpPr>
+        <p:spPr>
+          <a:xfrm>
+            <a:off x="819150" y="1990725"/>
+            <a:ext cx="7505700" cy="2448000"/>
+          </a:xfrm>
+          <a:prstGeom prst="rect">
+            <a:avLst/>
+          </a:prstGeom>
+        </p:spPr>
+        <p:txBody>
+          <a:bodyPr anchorCtr="0" anchor="t" bIns="91425" lIns="91425" rIns="91425" wrap="square" tIns="91425">
+            <a:noAutofit/>
+          </a:bodyPr>
+          <a:lstStyle/>
+          <a:p>
+            <a:pPr lvl="0">
+              <a:spcBef>
+                <a:spcPts val="0"/>
+              </a:spcBef>
+              <a:buNone/>
+            </a:pPr>
+            <a:r>
+              <a:rPr lang="en" sz="1800"/>
               <a:t>n</a:t>
             </a:r>
             <a:r>
               <a:rPr lang="en" sz="1800"/>
-              <a:t>ow we get to gamble</a:t>
+              <a:t>ow we get to play games</a:t>
             </a:r>
           </a:p>
         </p:txBody>
@@ -11920,7 +12415,7 @@
             </a:pPr>
             <a:r>
               <a:rPr lang="en"/>
-              <a:t>1) six</a:t>
+              <a:t>warnings</a:t>
             </a:r>
           </a:p>
         </p:txBody>
@@ -11936,7 +12431,7 @@
         <p:spPr>
           <a:xfrm>
             <a:off x="819150" y="1990725"/>
-            <a:ext cx="7925700" cy="2448000"/>
+            <a:ext cx="7505700" cy="2448000"/>
           </a:xfrm>
           <a:prstGeom prst="rect">
             <a:avLst/>
@@ -11948,55 +12443,11 @@
           </a:bodyPr>
           <a:lstStyle/>
           <a:p>
-            <a:pPr indent="-342900" lvl="0" marL="457200" rtl="0">
-              <a:spcBef>
-                <a:spcPts val="0"/>
-              </a:spcBef>
-              <a:spcAft>
-                <a:spcPts val="0"/>
-              </a:spcAft>
-              <a:buSzPct val="100000"/>
-              <a:buChar char="-"/>
-            </a:pPr>
-            <a:r>
-              <a:rPr lang="en" sz="1800"/>
-              <a:t>c</a:t>
-            </a:r>
-            <a:r>
-              <a:rPr lang="en" sz="1800"/>
-              <a:t>onsider the game of `six` as a motivation for `blackjack`</a:t>
-            </a:r>
-          </a:p>
-          <a:p>
-            <a:pPr indent="-342900" lvl="1" marL="914400" rtl="0">
-              <a:spcBef>
-                <a:spcPts val="0"/>
-              </a:spcBef>
-              <a:spcAft>
-                <a:spcPts val="0"/>
-              </a:spcAft>
-              <a:buSzPct val="100000"/>
-              <a:buChar char="-"/>
-            </a:pPr>
-            <a:r>
-              <a:rPr lang="en" sz="1800"/>
-              <a:t>w</a:t>
-            </a:r>
-            <a:r>
-              <a:rPr lang="en" sz="1800"/>
-              <a:t>e have a deck with three 3’s and three 1’s</a:t>
-            </a:r>
-          </a:p>
-          <a:p>
-            <a:pPr indent="-342900" lvl="1" marL="914400" rtl="0">
-              <a:spcBef>
-                <a:spcPts val="0"/>
-              </a:spcBef>
-              <a:spcAft>
-                <a:spcPts val="0"/>
-              </a:spcAft>
-              <a:buSzPct val="100000"/>
-              <a:buChar char="-"/>
+            <a:pPr lvl="0">
+              <a:spcBef>
+                <a:spcPts val="0"/>
+              </a:spcBef>
+              <a:buNone/>
             </a:pPr>
             <a:r>
               <a:rPr lang="en" sz="1800"/>
@@ -12004,36 +12455,31 @@
             </a:r>
             <a:r>
               <a:rPr lang="en" sz="1800"/>
-              <a:t>wo players (A and B) both get two cards</a:t>
-            </a:r>
-          </a:p>
-          <a:p>
-            <a:pPr indent="-342900" lvl="1" marL="914400" rtl="0">
-              <a:spcBef>
-                <a:spcPts val="0"/>
-              </a:spcBef>
-              <a:spcAft>
-                <a:spcPts val="0"/>
-              </a:spcAft>
-              <a:buSzPct val="100000"/>
-              <a:buChar char="-"/>
+              <a:t>he purpose of this talk is to introduce some statistical methodology from probability and game theory to the theory of gambling followed by playing games and having a fun time with no risk to actual capital</a:t>
+            </a:r>
+          </a:p>
+          <a:p>
+            <a:pPr lvl="0">
+              <a:spcBef>
+                <a:spcPts val="0"/>
+              </a:spcBef>
+              <a:buNone/>
             </a:pPr>
             <a:r>
               <a:rPr lang="en" sz="1800"/>
-              <a:t>b</a:t>
+              <a:t>y</a:t>
             </a:r>
             <a:r>
               <a:rPr lang="en" sz="1800"/>
-              <a:t>oth have the opportunity to “hit”</a:t>
-            </a:r>
-          </a:p>
-          <a:p>
-            <a:pPr indent="-342900" lvl="1" marL="914400" rtl="0">
-              <a:spcBef>
-                <a:spcPts val="0"/>
-              </a:spcBef>
-              <a:buSzPct val="100000"/>
-              <a:buChar char="-"/>
+              <a:t>ou should in no way shape or form take the contents of these slides or the theory in any of the references as legitimate gambling advice </a:t>
+            </a:r>
+          </a:p>
+          <a:p>
+            <a:pPr lvl="0">
+              <a:spcBef>
+                <a:spcPts val="0"/>
+              </a:spcBef>
+              <a:buNone/>
             </a:pPr>
             <a:r>
               <a:rPr lang="en" sz="1800"/>
@@ -12041,7 +12487,15 @@
             </a:r>
             <a:r>
               <a:rPr lang="en" sz="1800"/>
-              <a:t>he winner is the player who gets the closest to six without going over</a:t>
+              <a:t>ldr: </a:t>
+            </a:r>
+            <a:r>
+              <a:rPr lang="en" sz="1800"/>
+              <a:t>g</a:t>
+            </a:r>
+            <a:r>
+              <a:rPr lang="en" sz="1800"/>
+              <a:t>ambling is bad for you and you shouldn’t do it because you’ll lose all your money</a:t>
             </a:r>
           </a:p>
         </p:txBody>
@@ -12102,7 +12556,7 @@
             </a:pPr>
             <a:r>
               <a:rPr lang="en"/>
-              <a:t>solving `six`</a:t>
+              <a:t>1) six</a:t>
             </a:r>
           </a:p>
         </p:txBody>
@@ -12118,7 +12572,7 @@
         <p:spPr>
           <a:xfrm>
             <a:off x="819150" y="1990725"/>
-            <a:ext cx="7505700" cy="2448000"/>
+            <a:ext cx="7925700" cy="2448000"/>
           </a:xfrm>
           <a:prstGeom prst="rect">
             <a:avLst/>
@@ -12138,11 +12592,15 @@
             </a:pPr>
             <a:r>
               <a:rPr lang="en" sz="1800"/>
-              <a:t>there are only four cases to consider </a:t>
-            </a:r>
-          </a:p>
-          <a:p>
-            <a:pPr indent="-342900" lvl="0" marL="914400" rtl="0">
+              <a:t>we c</a:t>
+            </a:r>
+            <a:r>
+              <a:rPr lang="en" sz="1800"/>
+              <a:t>onsider the game of `six` as a motivation for `blackjack`</a:t>
+            </a:r>
+          </a:p>
+          <a:p>
+            <a:pPr indent="-342900" lvl="1" marL="914400" rtl="0">
               <a:spcBef>
                 <a:spcPts val="0"/>
               </a:spcBef>
@@ -12150,15 +12608,19 @@
                 <a:spcPts val="0"/>
               </a:spcAft>
               <a:buSzPct val="100000"/>
-              <a:buAutoNum type="arabicParenBoth"/>
+              <a:buChar char="-"/>
             </a:pPr>
             <a:r>
               <a:rPr lang="en" sz="1800"/>
-              <a:t>A has 6 (3,3)  B has 4 (3,1) or 2 (1,1)</a:t>
-            </a:r>
-          </a:p>
-          <a:p>
-            <a:pPr indent="-342900" lvl="0" marL="914400" rtl="0">
+              <a:t>w</a:t>
+            </a:r>
+            <a:r>
+              <a:rPr lang="en" sz="1800"/>
+              <a:t>e have a deck with three 3’s and three 1’s</a:t>
+            </a:r>
+          </a:p>
+          <a:p>
+            <a:pPr indent="-342900" lvl="1" marL="914400" rtl="0">
               <a:spcBef>
                 <a:spcPts val="0"/>
               </a:spcBef>
@@ -12166,15 +12628,19 @@
                 <a:spcPts val="0"/>
               </a:spcAft>
               <a:buSzPct val="100000"/>
-              <a:buAutoNum type="arabicParenBoth"/>
+              <a:buChar char="-"/>
             </a:pPr>
             <a:r>
               <a:rPr lang="en" sz="1800"/>
-              <a:t>A has 4 (3,1)  B has 2 (1,1)</a:t>
-            </a:r>
-          </a:p>
-          <a:p>
-            <a:pPr indent="-342900" lvl="0" marL="914400" rtl="0">
+              <a:t>t</a:t>
+            </a:r>
+            <a:r>
+              <a:rPr lang="en" sz="1800"/>
+              <a:t>wo players (A and B) both get two cards</a:t>
+            </a:r>
+          </a:p>
+          <a:p>
+            <a:pPr indent="-342900" lvl="1" marL="914400" rtl="0">
               <a:spcBef>
                 <a:spcPts val="0"/>
               </a:spcBef>
@@ -12182,24 +12648,32 @@
                 <a:spcPts val="0"/>
               </a:spcAft>
               <a:buSzPct val="100000"/>
-              <a:buAutoNum type="arabicParenBoth"/>
+              <a:buChar char="-"/>
             </a:pPr>
             <a:r>
               <a:rPr lang="en" sz="1800"/>
-              <a:t>A has 2 (1,1)  B has 4 (3,1)</a:t>
-            </a:r>
-          </a:p>
-          <a:p>
-            <a:pPr indent="-342900" lvl="0" marL="914400" rtl="0">
+              <a:t>b</a:t>
+            </a:r>
+            <a:r>
+              <a:rPr lang="en" sz="1800"/>
+              <a:t>oth have the opportunity to “hit” or “stay”</a:t>
+            </a:r>
+          </a:p>
+          <a:p>
+            <a:pPr indent="-342900" lvl="1" marL="914400" rtl="0">
               <a:spcBef>
                 <a:spcPts val="0"/>
               </a:spcBef>
               <a:buSzPct val="100000"/>
-              <a:buAutoNum type="arabicParenBoth"/>
+              <a:buChar char="-"/>
             </a:pPr>
             <a:r>
               <a:rPr lang="en" sz="1800"/>
-              <a:t>A has 4 (3,1)  B has 4 (3,1)</a:t>
+              <a:t>t</a:t>
+            </a:r>
+            <a:r>
+              <a:rPr lang="en" sz="1800"/>
+              <a:t>he winner is the player who gets the closest to six without going over</a:t>
             </a:r>
           </a:p>
         </p:txBody>
@@ -12260,7 +12734,7 @@
             </a:pPr>
             <a:r>
               <a:rPr lang="en"/>
-              <a:t>A has (3,3)  B has (3,1) or (1,1)</a:t>
+              <a:t>solving `six`</a:t>
             </a:r>
           </a:p>
         </p:txBody>
@@ -12288,7 +12762,7 @@
           </a:bodyPr>
           <a:lstStyle/>
           <a:p>
-            <a:pPr lvl="0">
+            <a:pPr lvl="0" rtl="0">
               <a:spcBef>
                 <a:spcPts val="0"/>
               </a:spcBef>
@@ -12296,7 +12770,68 @@
             </a:pPr>
             <a:r>
               <a:rPr lang="en" sz="1800"/>
-              <a:t>A should not hit, B can tie at best</a:t>
+              <a:t>there are only four cases to consider </a:t>
+            </a:r>
+          </a:p>
+          <a:p>
+            <a:pPr indent="-342900" lvl="0" marL="914400" rtl="0">
+              <a:spcBef>
+                <a:spcPts val="0"/>
+              </a:spcBef>
+              <a:spcAft>
+                <a:spcPts val="0"/>
+              </a:spcAft>
+              <a:buSzPct val="100000"/>
+              <a:buAutoNum type="arabicParenBoth"/>
+            </a:pPr>
+            <a:r>
+              <a:rPr lang="en" sz="1800"/>
+              <a:t>A has 6 (3,3)  B has 4 (3,1) or 2 (1,1)</a:t>
+            </a:r>
+          </a:p>
+          <a:p>
+            <a:pPr indent="-342900" lvl="0" marL="914400" rtl="0">
+              <a:spcBef>
+                <a:spcPts val="0"/>
+              </a:spcBef>
+              <a:spcAft>
+                <a:spcPts val="0"/>
+              </a:spcAft>
+              <a:buSzPct val="100000"/>
+              <a:buAutoNum type="arabicParenBoth"/>
+            </a:pPr>
+            <a:r>
+              <a:rPr lang="en" sz="1800"/>
+              <a:t>A has 4 (3,1)  B has 2 (1,1)</a:t>
+            </a:r>
+          </a:p>
+          <a:p>
+            <a:pPr indent="-342900" lvl="0" marL="914400" rtl="0">
+              <a:spcBef>
+                <a:spcPts val="0"/>
+              </a:spcBef>
+              <a:spcAft>
+                <a:spcPts val="0"/>
+              </a:spcAft>
+              <a:buSzPct val="100000"/>
+              <a:buAutoNum type="arabicParenBoth"/>
+            </a:pPr>
+            <a:r>
+              <a:rPr lang="en" sz="1800"/>
+              <a:t>A has 2 (1,1)  B has 4 (3,1)</a:t>
+            </a:r>
+          </a:p>
+          <a:p>
+            <a:pPr indent="-342900" lvl="0" marL="914400" rtl="0">
+              <a:spcBef>
+                <a:spcPts val="0"/>
+              </a:spcBef>
+              <a:buSzPct val="100000"/>
+              <a:buAutoNum type="arabicParenBoth"/>
+            </a:pPr>
+            <a:r>
+              <a:rPr lang="en" sz="1800"/>
+              <a:t>A has 4 (3,1)  B has 4 (3,1)</a:t>
             </a:r>
           </a:p>
         </p:txBody>
@@ -12349,7 +12884,7 @@
           </a:bodyPr>
           <a:lstStyle/>
           <a:p>
-            <a:pPr lvl="0" rtl="0">
+            <a:pPr lvl="0">
               <a:spcBef>
                 <a:spcPts val="0"/>
               </a:spcBef>
@@ -12357,7 +12892,7 @@
             </a:pPr>
             <a:r>
               <a:rPr lang="en"/>
-              <a:t>A has (3,1)  B has (1,1)</a:t>
+              <a:t>A has (3,3)  B has (3,1) or (1,1)</a:t>
             </a:r>
           </a:p>
         </p:txBody>
@@ -12393,19 +12928,7 @@
             </a:pPr>
             <a:r>
               <a:rPr lang="en" sz="1800"/>
-              <a:t>there are only {3,3} left so A should not hit since she will bust</a:t>
-            </a:r>
-          </a:p>
-          <a:p>
-            <a:pPr lvl="0" rtl="0">
-              <a:spcBef>
-                <a:spcPts val="0"/>
-              </a:spcBef>
-              <a:buNone/>
-            </a:pPr>
-            <a:r>
-              <a:rPr lang="en" sz="1800"/>
-              <a:t>B should hit so he ends with 5 and wins</a:t>
+              <a:t>A should not hit, B can tie at best</a:t>
             </a:r>
           </a:p>
         </p:txBody>
@@ -12466,7 +12989,7 @@
             </a:pPr>
             <a:r>
               <a:rPr lang="en"/>
-              <a:t>A has (1,1)  B has (3,1)</a:t>
+              <a:t>A has (3,1)  B has (1,1)</a:t>
             </a:r>
           </a:p>
         </p:txBody>
@@ -12494,6 +13017,18 @@
           </a:bodyPr>
           <a:lstStyle/>
           <a:p>
+            <a:pPr lvl="0">
+              <a:spcBef>
+                <a:spcPts val="0"/>
+              </a:spcBef>
+              <a:buNone/>
+            </a:pPr>
+            <a:r>
+              <a:rPr lang="en" sz="1800"/>
+              <a:t>there are only {3,3} left so A should not hit since she will bust</a:t>
+            </a:r>
+          </a:p>
+          <a:p>
             <a:pPr lvl="0" rtl="0">
               <a:spcBef>
                 <a:spcPts val="0"/>
@@ -12502,7 +13037,7 @@
             </a:pPr>
             <a:r>
               <a:rPr lang="en" sz="1800"/>
-              <a:t>by symmetry, A should hit B should stay, A wins</a:t>
+              <a:t>B should hit so he ends with 5 and wins</a:t>
             </a:r>
           </a:p>
         </p:txBody>
@@ -12563,7 +13098,7 @@
             </a:pPr>
             <a:r>
               <a:rPr lang="en"/>
-              <a:t>A has (3,1)  B has (3,1)</a:t>
+              <a:t>A has (1,1)  B has (3,1)</a:t>
             </a:r>
           </a:p>
         </p:txBody>
@@ -12599,7 +13134,7 @@
             </a:pPr>
             <a:r>
               <a:rPr lang="en" sz="1800"/>
-              <a:t>here, the remaining deck is {3,1} so we have some randomness to consider. let’s suppose that we have payoffs as follows: V(A wins) = 2x, V(B wins) = x, V(A loses) = -x, V(B loses) = -2x (so a bit unfair for B, but this replicates a casino setting where A would be the house)</a:t>
+              <a:t>by symmetry, A should hit B should stay, A wins</a:t>
             </a:r>
           </a:p>
         </p:txBody>
@@ -12652,7 +13187,7 @@
           </a:bodyPr>
           <a:lstStyle/>
           <a:p>
-            <a:pPr lvl="0">
+            <a:pPr lvl="0" rtl="0">
               <a:spcBef>
                 <a:spcPts val="0"/>
               </a:spcBef>
@@ -12661,18 +13196,6 @@
             <a:r>
               <a:rPr lang="en"/>
               <a:t>A has (3,1)  B has (3,1)</a:t>
-            </a:r>
-          </a:p>
-          <a:p>
-            <a:pPr lvl="0" rtl="0">
-              <a:spcBef>
-                <a:spcPts val="0"/>
-              </a:spcBef>
-              <a:buNone/>
-            </a:pPr>
-            <a:r>
-              <a:rPr lang="en"/>
-              <a:t>A stays</a:t>
             </a:r>
           </a:p>
         </p:txBody>
@@ -12700,7 +13223,7 @@
           </a:bodyPr>
           <a:lstStyle/>
           <a:p>
-            <a:pPr lvl="0">
+            <a:pPr lvl="0" rtl="0">
               <a:spcBef>
                 <a:spcPts val="0"/>
               </a:spcBef>
@@ -12708,43 +13231,7 @@
             </a:pPr>
             <a:r>
               <a:rPr lang="en" sz="1800"/>
-              <a:t>if B stays, then tie</a:t>
-            </a:r>
-          </a:p>
-          <a:p>
-            <a:pPr lvl="0">
-              <a:spcBef>
-                <a:spcPts val="0"/>
-              </a:spcBef>
-              <a:buNone/>
-            </a:pPr>
-            <a:r>
-              <a:rPr lang="en" sz="1800"/>
-              <a:t>if B hits, payoff is .5(x) - .5(2x) = -.5x &lt; 0, so B wants to stay.</a:t>
-            </a:r>
-          </a:p>
-          <a:p>
-            <a:pPr lvl="0">
-              <a:spcBef>
-                <a:spcPts val="0"/>
-              </a:spcBef>
-              <a:buNone/>
-            </a:pPr>
-            <a:r>
-              <a:t/>
-            </a:r>
-            <a:endParaRPr sz="1800"/>
-          </a:p>
-          <a:p>
-            <a:pPr lvl="0" rtl="0">
-              <a:spcBef>
-                <a:spcPts val="0"/>
-              </a:spcBef>
-              <a:buNone/>
-            </a:pPr>
-            <a:r>
-              <a:rPr lang="en" sz="1800"/>
-              <a:t>hence if A stays, then B will stay and there will be a tie (no payout to either)</a:t>
+              <a:t>here, the remaining deck is {3,1} so we have some randomness to consider. let’s suppose that we have payoffs as follows: V(A wins) = 2x, V(B wins) = x, V(A loses) = -x, V(B loses) = -2x (so a bit unfair for B, but this replicates a casino setting where A would be the house)</a:t>
             </a:r>
           </a:p>
         </p:txBody>
@@ -12758,6 +13245,285 @@
 </file>
 
 <file path=ppt/theme/theme1.xml><?xml version="1.0" encoding="utf-8"?>
+<a:theme xmlns:a="http://schemas.openxmlformats.org/drawingml/2006/main" xmlns:r="http://schemas.openxmlformats.org/officeDocument/2006/relationships" name="Custom Theme">
+  <a:themeElements>
+    <a:clrScheme name="Default">
+      <a:dk1>
+        <a:srgbClr val="000000"/>
+      </a:dk1>
+      <a:lt1>
+        <a:srgbClr val="FFFFFF"/>
+      </a:lt1>
+      <a:dk2>
+        <a:srgbClr val="158158"/>
+      </a:dk2>
+      <a:lt2>
+        <a:srgbClr val="F3F3F3"/>
+      </a:lt2>
+      <a:accent1>
+        <a:srgbClr val="058DC7"/>
+      </a:accent1>
+      <a:accent2>
+        <a:srgbClr val="50B432"/>
+      </a:accent2>
+      <a:accent3>
+        <a:srgbClr val="ED561B"/>
+      </a:accent3>
+      <a:accent4>
+        <a:srgbClr val="EDEF00"/>
+      </a:accent4>
+      <a:accent5>
+        <a:srgbClr val="24CBE5"/>
+      </a:accent5>
+      <a:accent6>
+        <a:srgbClr val="64E572"/>
+      </a:accent6>
+      <a:hlink>
+        <a:srgbClr val="2200CC"/>
+      </a:hlink>
+      <a:folHlink>
+        <a:srgbClr val="551A8B"/>
+      </a:folHlink>
+    </a:clrScheme>
+    <a:fontScheme name="Office">
+      <a:majorFont>
+        <a:latin typeface="Arial"/>
+        <a:ea typeface=""/>
+        <a:cs typeface=""/>
+        <a:font script="Jpan" typeface="ＭＳ Ｐゴシック"/>
+        <a:font script="Hang" typeface="맑은 고딕"/>
+        <a:font script="Hans" typeface="宋体"/>
+        <a:font script="Hant" typeface="新細明體"/>
+        <a:font script="Arab" typeface="Times New Roman"/>
+        <a:font script="Hebr" typeface="Times New Roman"/>
+        <a:font script="Thai" typeface="Angsana New"/>
+        <a:font script="Ethi" typeface="Nyala"/>
+        <a:font script="Beng" typeface="Vrinda"/>
+        <a:font script="Gujr" typeface="Shruti"/>
+        <a:font script="Khmr" typeface="MoolBoran"/>
+        <a:font script="Knda" typeface="Tunga"/>
+        <a:font script="Guru" typeface="Raavi"/>
+        <a:font script="Cans" typeface="Euphemia"/>
+        <a:font script="Cher" typeface="Plantagenet Cherokee"/>
+        <a:font script="Yiii" typeface="Microsoft Yi Baiti"/>
+        <a:font script="Tibt" typeface="Microsoft Himalaya"/>
+        <a:font script="Thaa" typeface="MV Boli"/>
+        <a:font script="Deva" typeface="Mangal"/>
+        <a:font script="Telu" typeface="Gautami"/>
+        <a:font script="Taml" typeface="Latha"/>
+        <a:font script="Syrc" typeface="Estrangelo Edessa"/>
+        <a:font script="Orya" typeface="Kalinga"/>
+        <a:font script="Mlym" typeface="Kartika"/>
+        <a:font script="Laoo" typeface="DokChampa"/>
+        <a:font script="Sinh" typeface="Iskoola Pota"/>
+        <a:font script="Mong" typeface="Mongolian Baiti"/>
+        <a:font script="Viet" typeface="Times New Roman"/>
+        <a:font script="Uigh" typeface="Microsoft Uighur"/>
+        <a:font script="Geor" typeface="Sylfaen"/>
+      </a:majorFont>
+      <a:minorFont>
+        <a:latin typeface="Arial"/>
+        <a:ea typeface=""/>
+        <a:cs typeface=""/>
+        <a:font script="Jpan" typeface="ＭＳ Ｐゴシック"/>
+        <a:font script="Hang" typeface="맑은 고딕"/>
+        <a:font script="Hans" typeface="宋体"/>
+        <a:font script="Hant" typeface="新細明體"/>
+        <a:font script="Arab" typeface="Arial"/>
+        <a:font script="Hebr" typeface="Arial"/>
+        <a:font script="Thai" typeface="Cordia New"/>
+        <a:font script="Ethi" typeface="Nyala"/>
+        <a:font script="Beng" typeface="Vrinda"/>
+        <a:font script="Gujr" typeface="Shruti"/>
+        <a:font script="Khmr" typeface="DaunPenh"/>
+        <a:font script="Knda" typeface="Tunga"/>
+        <a:font script="Guru" typeface="Raavi"/>
+        <a:font script="Cans" typeface="Euphemia"/>
+        <a:font script="Cher" typeface="Plantagenet Cherokee"/>
+        <a:font script="Yiii" typeface="Microsoft Yi Baiti"/>
+        <a:font script="Tibt" typeface="Microsoft Himalaya"/>
+        <a:font script="Thaa" typeface="MV Boli"/>
+        <a:font script="Deva" typeface="Mangal"/>
+        <a:font script="Telu" typeface="Gautami"/>
+        <a:font script="Taml" typeface="Latha"/>
+        <a:font script="Syrc" typeface="Estrangelo Edessa"/>
+        <a:font script="Orya" typeface="Kalinga"/>
+        <a:font script="Mlym" typeface="Kartika"/>
+        <a:font script="Laoo" typeface="DokChampa"/>
+        <a:font script="Sinh" typeface="Iskoola Pota"/>
+        <a:font script="Mong" typeface="Mongolian Baiti"/>
+        <a:font script="Viet" typeface="Arial"/>
+        <a:font script="Uigh" typeface="Microsoft Uighur"/>
+        <a:font script="Geor" typeface="Sylfaen"/>
+      </a:minorFont>
+    </a:fontScheme>
+    <a:fmtScheme name="Office">
+      <a:fillStyleLst>
+        <a:solidFill>
+          <a:schemeClr val="phClr"/>
+        </a:solidFill>
+        <a:gradFill rotWithShape="1">
+          <a:gsLst>
+            <a:gs pos="0">
+              <a:schemeClr val="phClr">
+                <a:tint val="50000"/>
+                <a:satMod val="300000"/>
+              </a:schemeClr>
+            </a:gs>
+            <a:gs pos="35000">
+              <a:schemeClr val="phClr">
+                <a:tint val="37000"/>
+                <a:satMod val="300000"/>
+              </a:schemeClr>
+            </a:gs>
+            <a:gs pos="100000">
+              <a:schemeClr val="phClr">
+                <a:tint val="15000"/>
+                <a:satMod val="350000"/>
+              </a:schemeClr>
+            </a:gs>
+          </a:gsLst>
+          <a:lin ang="16200000" scaled="1"/>
+        </a:gradFill>
+        <a:gradFill rotWithShape="1">
+          <a:gsLst>
+            <a:gs pos="0">
+              <a:schemeClr val="phClr">
+                <a:tint val="100000"/>
+                <a:shade val="100000"/>
+                <a:satMod val="130000"/>
+              </a:schemeClr>
+            </a:gs>
+            <a:gs pos="100000">
+              <a:schemeClr val="phClr">
+                <a:tint val="50000"/>
+                <a:shade val="100000"/>
+                <a:satMod val="350000"/>
+              </a:schemeClr>
+            </a:gs>
+          </a:gsLst>
+          <a:lin ang="16200000" scaled="0"/>
+        </a:gradFill>
+      </a:fillStyleLst>
+      <a:lnStyleLst>
+        <a:ln w="9525" cap="flat" cmpd="sng" algn="ctr">
+          <a:solidFill>
+            <a:schemeClr val="phClr">
+              <a:shade val="95000"/>
+              <a:satMod val="105000"/>
+            </a:schemeClr>
+          </a:solidFill>
+          <a:prstDash val="solid"/>
+        </a:ln>
+        <a:ln w="25400" cap="flat" cmpd="sng" algn="ctr">
+          <a:solidFill>
+            <a:schemeClr val="phClr"/>
+          </a:solidFill>
+          <a:prstDash val="solid"/>
+        </a:ln>
+        <a:ln w="38100" cap="flat" cmpd="sng" algn="ctr">
+          <a:solidFill>
+            <a:schemeClr val="phClr"/>
+          </a:solidFill>
+          <a:prstDash val="solid"/>
+        </a:ln>
+      </a:lnStyleLst>
+      <a:effectStyleLst>
+        <a:effectStyle>
+          <a:effectLst>
+            <a:outerShdw blurRad="40000" dist="20000" dir="5400000" rotWithShape="0">
+              <a:srgbClr val="000000">
+                <a:alpha val="38000"/>
+              </a:srgbClr>
+            </a:outerShdw>
+          </a:effectLst>
+        </a:effectStyle>
+        <a:effectStyle>
+          <a:effectLst>
+            <a:outerShdw blurRad="40000" dist="23000" dir="5400000" rotWithShape="0">
+              <a:srgbClr val="000000">
+                <a:alpha val="35000"/>
+              </a:srgbClr>
+            </a:outerShdw>
+          </a:effectLst>
+        </a:effectStyle>
+        <a:effectStyle>
+          <a:effectLst>
+            <a:outerShdw blurRad="40000" dist="23000" dir="5400000" rotWithShape="0">
+              <a:srgbClr val="000000">
+                <a:alpha val="35000"/>
+              </a:srgbClr>
+            </a:outerShdw>
+          </a:effectLst>
+          <a:scene3d>
+            <a:camera prst="orthographicFront">
+              <a:rot lat="0" lon="0" rev="0"/>
+            </a:camera>
+            <a:lightRig rig="threePt" dir="t">
+              <a:rot lat="0" lon="0" rev="1200000"/>
+            </a:lightRig>
+          </a:scene3d>
+          <a:sp3d>
+            <a:bevelT w="63500" h="25400"/>
+          </a:sp3d>
+        </a:effectStyle>
+      </a:effectStyleLst>
+      <a:bgFillStyleLst>
+        <a:solidFill>
+          <a:schemeClr val="phClr"/>
+        </a:solidFill>
+        <a:gradFill rotWithShape="1">
+          <a:gsLst>
+            <a:gs pos="0">
+              <a:schemeClr val="phClr">
+                <a:tint val="40000"/>
+                <a:satMod val="350000"/>
+              </a:schemeClr>
+            </a:gs>
+            <a:gs pos="40000">
+              <a:schemeClr val="phClr">
+                <a:tint val="45000"/>
+                <a:shade val="99000"/>
+                <a:satMod val="350000"/>
+              </a:schemeClr>
+            </a:gs>
+            <a:gs pos="100000">
+              <a:schemeClr val="phClr">
+                <a:shade val="20000"/>
+                <a:satMod val="255000"/>
+              </a:schemeClr>
+            </a:gs>
+          </a:gsLst>
+          <a:path path="circle">
+            <a:fillToRect l="50000" t="-80000" r="50000" b="180000"/>
+          </a:path>
+        </a:gradFill>
+        <a:gradFill rotWithShape="1">
+          <a:gsLst>
+            <a:gs pos="0">
+              <a:schemeClr val="phClr">
+                <a:tint val="80000"/>
+                <a:satMod val="300000"/>
+              </a:schemeClr>
+            </a:gs>
+            <a:gs pos="100000">
+              <a:schemeClr val="phClr">
+                <a:shade val="30000"/>
+                <a:satMod val="200000"/>
+              </a:schemeClr>
+            </a:gs>
+          </a:gsLst>
+          <a:path path="circle">
+            <a:fillToRect l="50000" t="50000" r="50000" b="50000"/>
+          </a:path>
+        </a:gradFill>
+      </a:bgFillStyleLst>
+    </a:fmtScheme>
+  </a:themeElements>
+</a:theme>
+</file>
+
+<file path=ppt/theme/theme2.xml><?xml version="1.0" encoding="utf-8"?>
 <a:theme xmlns:a="http://schemas.openxmlformats.org/drawingml/2006/main" xmlns:r="http://schemas.openxmlformats.org/officeDocument/2006/relationships" name="Shift">
   <a:themeElements>
     <a:clrScheme name="Shift">
@@ -13034,283 +13800,4 @@
     </a:fmtScheme>
   </a:themeElements>
 </a:theme>
-</file>
-
-<file path=ppt/theme/theme2.xml><?xml version="1.0" encoding="utf-8"?>
-<a:theme xmlns:a="http://schemas.openxmlformats.org/drawingml/2006/main" xmlns:r="http://schemas.openxmlformats.org/officeDocument/2006/relationships" name="Custom Theme">
-  <a:themeElements>
-    <a:clrScheme name="Default">
-      <a:dk1>
-        <a:srgbClr val="000000"/>
-      </a:dk1>
-      <a:lt1>
-        <a:srgbClr val="FFFFFF"/>
-      </a:lt1>
-      <a:dk2>
-        <a:srgbClr val="158158"/>
-      </a:dk2>
-      <a:lt2>
-        <a:srgbClr val="F3F3F3"/>
-      </a:lt2>
-      <a:accent1>
-        <a:srgbClr val="058DC7"/>
-      </a:accent1>
-      <a:accent2>
-        <a:srgbClr val="50B432"/>
-      </a:accent2>
-      <a:accent3>
-        <a:srgbClr val="ED561B"/>
-      </a:accent3>
-      <a:accent4>
-        <a:srgbClr val="EDEF00"/>
-      </a:accent4>
-      <a:accent5>
-        <a:srgbClr val="24CBE5"/>
-      </a:accent5>
-      <a:accent6>
-        <a:srgbClr val="64E572"/>
-      </a:accent6>
-      <a:hlink>
-        <a:srgbClr val="2200CC"/>
-      </a:hlink>
-      <a:folHlink>
-        <a:srgbClr val="551A8B"/>
-      </a:folHlink>
-    </a:clrScheme>
-    <a:fontScheme name="Office">
-      <a:majorFont>
-        <a:latin typeface="Arial"/>
-        <a:ea typeface=""/>
-        <a:cs typeface=""/>
-        <a:font script="Jpan" typeface="ＭＳ Ｐゴシック"/>
-        <a:font script="Hang" typeface="맑은 고딕"/>
-        <a:font script="Hans" typeface="宋体"/>
-        <a:font script="Hant" typeface="新細明體"/>
-        <a:font script="Arab" typeface="Times New Roman"/>
-        <a:font script="Hebr" typeface="Times New Roman"/>
-        <a:font script="Thai" typeface="Angsana New"/>
-        <a:font script="Ethi" typeface="Nyala"/>
-        <a:font script="Beng" typeface="Vrinda"/>
-        <a:font script="Gujr" typeface="Shruti"/>
-        <a:font script="Khmr" typeface="MoolBoran"/>
-        <a:font script="Knda" typeface="Tunga"/>
-        <a:font script="Guru" typeface="Raavi"/>
-        <a:font script="Cans" typeface="Euphemia"/>
-        <a:font script="Cher" typeface="Plantagenet Cherokee"/>
-        <a:font script="Yiii" typeface="Microsoft Yi Baiti"/>
-        <a:font script="Tibt" typeface="Microsoft Himalaya"/>
-        <a:font script="Thaa" typeface="MV Boli"/>
-        <a:font script="Deva" typeface="Mangal"/>
-        <a:font script="Telu" typeface="Gautami"/>
-        <a:font script="Taml" typeface="Latha"/>
-        <a:font script="Syrc" typeface="Estrangelo Edessa"/>
-        <a:font script="Orya" typeface="Kalinga"/>
-        <a:font script="Mlym" typeface="Kartika"/>
-        <a:font script="Laoo" typeface="DokChampa"/>
-        <a:font script="Sinh" typeface="Iskoola Pota"/>
-        <a:font script="Mong" typeface="Mongolian Baiti"/>
-        <a:font script="Viet" typeface="Times New Roman"/>
-        <a:font script="Uigh" typeface="Microsoft Uighur"/>
-        <a:font script="Geor" typeface="Sylfaen"/>
-      </a:majorFont>
-      <a:minorFont>
-        <a:latin typeface="Arial"/>
-        <a:ea typeface=""/>
-        <a:cs typeface=""/>
-        <a:font script="Jpan" typeface="ＭＳ Ｐゴシック"/>
-        <a:font script="Hang" typeface="맑은 고딕"/>
-        <a:font script="Hans" typeface="宋体"/>
-        <a:font script="Hant" typeface="新細明體"/>
-        <a:font script="Arab" typeface="Arial"/>
-        <a:font script="Hebr" typeface="Arial"/>
-        <a:font script="Thai" typeface="Cordia New"/>
-        <a:font script="Ethi" typeface="Nyala"/>
-        <a:font script="Beng" typeface="Vrinda"/>
-        <a:font script="Gujr" typeface="Shruti"/>
-        <a:font script="Khmr" typeface="DaunPenh"/>
-        <a:font script="Knda" typeface="Tunga"/>
-        <a:font script="Guru" typeface="Raavi"/>
-        <a:font script="Cans" typeface="Euphemia"/>
-        <a:font script="Cher" typeface="Plantagenet Cherokee"/>
-        <a:font script="Yiii" typeface="Microsoft Yi Baiti"/>
-        <a:font script="Tibt" typeface="Microsoft Himalaya"/>
-        <a:font script="Thaa" typeface="MV Boli"/>
-        <a:font script="Deva" typeface="Mangal"/>
-        <a:font script="Telu" typeface="Gautami"/>
-        <a:font script="Taml" typeface="Latha"/>
-        <a:font script="Syrc" typeface="Estrangelo Edessa"/>
-        <a:font script="Orya" typeface="Kalinga"/>
-        <a:font script="Mlym" typeface="Kartika"/>
-        <a:font script="Laoo" typeface="DokChampa"/>
-        <a:font script="Sinh" typeface="Iskoola Pota"/>
-        <a:font script="Mong" typeface="Mongolian Baiti"/>
-        <a:font script="Viet" typeface="Arial"/>
-        <a:font script="Uigh" typeface="Microsoft Uighur"/>
-        <a:font script="Geor" typeface="Sylfaen"/>
-      </a:minorFont>
-    </a:fontScheme>
-    <a:fmtScheme name="Office">
-      <a:fillStyleLst>
-        <a:solidFill>
-          <a:schemeClr val="phClr"/>
-        </a:solidFill>
-        <a:gradFill rotWithShape="1">
-          <a:gsLst>
-            <a:gs pos="0">
-              <a:schemeClr val="phClr">
-                <a:tint val="50000"/>
-                <a:satMod val="300000"/>
-              </a:schemeClr>
-            </a:gs>
-            <a:gs pos="35000">
-              <a:schemeClr val="phClr">
-                <a:tint val="37000"/>
-                <a:satMod val="300000"/>
-              </a:schemeClr>
-            </a:gs>
-            <a:gs pos="100000">
-              <a:schemeClr val="phClr">
-                <a:tint val="15000"/>
-                <a:satMod val="350000"/>
-              </a:schemeClr>
-            </a:gs>
-          </a:gsLst>
-          <a:lin ang="16200000" scaled="1"/>
-        </a:gradFill>
-        <a:gradFill rotWithShape="1">
-          <a:gsLst>
-            <a:gs pos="0">
-              <a:schemeClr val="phClr">
-                <a:tint val="100000"/>
-                <a:shade val="100000"/>
-                <a:satMod val="130000"/>
-              </a:schemeClr>
-            </a:gs>
-            <a:gs pos="100000">
-              <a:schemeClr val="phClr">
-                <a:tint val="50000"/>
-                <a:shade val="100000"/>
-                <a:satMod val="350000"/>
-              </a:schemeClr>
-            </a:gs>
-          </a:gsLst>
-          <a:lin ang="16200000" scaled="0"/>
-        </a:gradFill>
-      </a:fillStyleLst>
-      <a:lnStyleLst>
-        <a:ln w="9525" cap="flat" cmpd="sng" algn="ctr">
-          <a:solidFill>
-            <a:schemeClr val="phClr">
-              <a:shade val="95000"/>
-              <a:satMod val="105000"/>
-            </a:schemeClr>
-          </a:solidFill>
-          <a:prstDash val="solid"/>
-        </a:ln>
-        <a:ln w="25400" cap="flat" cmpd="sng" algn="ctr">
-          <a:solidFill>
-            <a:schemeClr val="phClr"/>
-          </a:solidFill>
-          <a:prstDash val="solid"/>
-        </a:ln>
-        <a:ln w="38100" cap="flat" cmpd="sng" algn="ctr">
-          <a:solidFill>
-            <a:schemeClr val="phClr"/>
-          </a:solidFill>
-          <a:prstDash val="solid"/>
-        </a:ln>
-      </a:lnStyleLst>
-      <a:effectStyleLst>
-        <a:effectStyle>
-          <a:effectLst>
-            <a:outerShdw blurRad="40000" dist="20000" dir="5400000" rotWithShape="0">
-              <a:srgbClr val="000000">
-                <a:alpha val="38000"/>
-              </a:srgbClr>
-            </a:outerShdw>
-          </a:effectLst>
-        </a:effectStyle>
-        <a:effectStyle>
-          <a:effectLst>
-            <a:outerShdw blurRad="40000" dist="23000" dir="5400000" rotWithShape="0">
-              <a:srgbClr val="000000">
-                <a:alpha val="35000"/>
-              </a:srgbClr>
-            </a:outerShdw>
-          </a:effectLst>
-        </a:effectStyle>
-        <a:effectStyle>
-          <a:effectLst>
-            <a:outerShdw blurRad="40000" dist="23000" dir="5400000" rotWithShape="0">
-              <a:srgbClr val="000000">
-                <a:alpha val="35000"/>
-              </a:srgbClr>
-            </a:outerShdw>
-          </a:effectLst>
-          <a:scene3d>
-            <a:camera prst="orthographicFront">
-              <a:rot lat="0" lon="0" rev="0"/>
-            </a:camera>
-            <a:lightRig rig="threePt" dir="t">
-              <a:rot lat="0" lon="0" rev="1200000"/>
-            </a:lightRig>
-          </a:scene3d>
-          <a:sp3d>
-            <a:bevelT w="63500" h="25400"/>
-          </a:sp3d>
-        </a:effectStyle>
-      </a:effectStyleLst>
-      <a:bgFillStyleLst>
-        <a:solidFill>
-          <a:schemeClr val="phClr"/>
-        </a:solidFill>
-        <a:gradFill rotWithShape="1">
-          <a:gsLst>
-            <a:gs pos="0">
-              <a:schemeClr val="phClr">
-                <a:tint val="40000"/>
-                <a:satMod val="350000"/>
-              </a:schemeClr>
-            </a:gs>
-            <a:gs pos="40000">
-              <a:schemeClr val="phClr">
-                <a:tint val="45000"/>
-                <a:shade val="99000"/>
-                <a:satMod val="350000"/>
-              </a:schemeClr>
-            </a:gs>
-            <a:gs pos="100000">
-              <a:schemeClr val="phClr">
-                <a:shade val="20000"/>
-                <a:satMod val="255000"/>
-              </a:schemeClr>
-            </a:gs>
-          </a:gsLst>
-          <a:path path="circle">
-            <a:fillToRect l="50000" t="-80000" r="50000" b="180000"/>
-          </a:path>
-        </a:gradFill>
-        <a:gradFill rotWithShape="1">
-          <a:gsLst>
-            <a:gs pos="0">
-              <a:schemeClr val="phClr">
-                <a:tint val="80000"/>
-                <a:satMod val="300000"/>
-              </a:schemeClr>
-            </a:gs>
-            <a:gs pos="100000">
-              <a:schemeClr val="phClr">
-                <a:shade val="30000"/>
-                <a:satMod val="200000"/>
-              </a:schemeClr>
-            </a:gs>
-          </a:gsLst>
-          <a:path path="circle">
-            <a:fillToRect l="50000" t="50000" r="50000" b="50000"/>
-          </a:path>
-        </a:gradFill>
-      </a:bgFillStyleLst>
-    </a:fmtScheme>
-  </a:themeElements>
-</a:theme>
 </file>